--- a/docs/Design/estructura_proyecto.pptx
+++ b/docs/Design/estructura_proyecto.pptx
@@ -5,7 +5,7 @@
     <p:sldMasterId id="2147483648" r:id="rId1"/>
   </p:sldMasterIdLst>
   <p:notesMasterIdLst>
-    <p:notesMasterId r:id="rId11"/>
+    <p:notesMasterId r:id="rId12"/>
   </p:notesMasterIdLst>
   <p:sldIdLst>
     <p:sldId id="262" r:id="rId2"/>
@@ -14,9 +14,10 @@
     <p:sldId id="259" r:id="rId5"/>
     <p:sldId id="261" r:id="rId6"/>
     <p:sldId id="263" r:id="rId7"/>
-    <p:sldId id="264" r:id="rId8"/>
-    <p:sldId id="265" r:id="rId9"/>
-    <p:sldId id="266" r:id="rId10"/>
+    <p:sldId id="267" r:id="rId8"/>
+    <p:sldId id="264" r:id="rId9"/>
+    <p:sldId id="265" r:id="rId10"/>
+    <p:sldId id="266" r:id="rId11"/>
   </p:sldIdLst>
   <p:sldSz cx="12192000" cy="6858000"/>
   <p:notesSz cx="6858000" cy="9144000"/>
@@ -137,6 +138,7 @@
         <p14:section name="CONECTIONS" id="{5B5104C0-AA8B-49E0-9AEB-A8C244AE9C7E}">
           <p14:sldIdLst>
             <p14:sldId id="263"/>
+            <p14:sldId id="267"/>
           </p14:sldIdLst>
         </p14:section>
         <p14:section name="COLORES" id="{F3CEDBD9-D1AF-47E6-9199-3AACE53E0E4E}">
@@ -253,7 +255,7 @@
           <a:p>
             <a:fld id="{E57BCF16-874F-4BFE-91D2-48FEDD3B8B13}" type="datetimeFigureOut">
               <a:rPr lang="es-419" smtClean="0"/>
-              <a:t>19/3/2025</a:t>
+              <a:t>23/3/2025</a:t>
             </a:fld>
             <a:endParaRPr lang="es-419"/>
           </a:p>
@@ -754,7 +756,7 @@
           <a:p>
             <a:fld id="{5B8FFEE8-2475-40EF-A1A3-6DDDBD8BDA66}" type="datetimeFigureOut">
               <a:rPr lang="es-419" smtClean="0"/>
-              <a:t>19/3/2025</a:t>
+              <a:t>23/3/2025</a:t>
             </a:fld>
             <a:endParaRPr lang="es-419"/>
           </a:p>
@@ -954,7 +956,7 @@
           <a:p>
             <a:fld id="{5B8FFEE8-2475-40EF-A1A3-6DDDBD8BDA66}" type="datetimeFigureOut">
               <a:rPr lang="es-419" smtClean="0"/>
-              <a:t>19/3/2025</a:t>
+              <a:t>23/3/2025</a:t>
             </a:fld>
             <a:endParaRPr lang="es-419"/>
           </a:p>
@@ -1164,7 +1166,7 @@
           <a:p>
             <a:fld id="{5B8FFEE8-2475-40EF-A1A3-6DDDBD8BDA66}" type="datetimeFigureOut">
               <a:rPr lang="es-419" smtClean="0"/>
-              <a:t>19/3/2025</a:t>
+              <a:t>23/3/2025</a:t>
             </a:fld>
             <a:endParaRPr lang="es-419"/>
           </a:p>
@@ -1364,7 +1366,7 @@
           <a:p>
             <a:fld id="{5B8FFEE8-2475-40EF-A1A3-6DDDBD8BDA66}" type="datetimeFigureOut">
               <a:rPr lang="es-419" smtClean="0"/>
-              <a:t>19/3/2025</a:t>
+              <a:t>23/3/2025</a:t>
             </a:fld>
             <a:endParaRPr lang="es-419"/>
           </a:p>
@@ -1640,7 +1642,7 @@
           <a:p>
             <a:fld id="{5B8FFEE8-2475-40EF-A1A3-6DDDBD8BDA66}" type="datetimeFigureOut">
               <a:rPr lang="es-419" smtClean="0"/>
-              <a:t>19/3/2025</a:t>
+              <a:t>23/3/2025</a:t>
             </a:fld>
             <a:endParaRPr lang="es-419"/>
           </a:p>
@@ -1908,7 +1910,7 @@
           <a:p>
             <a:fld id="{5B8FFEE8-2475-40EF-A1A3-6DDDBD8BDA66}" type="datetimeFigureOut">
               <a:rPr lang="es-419" smtClean="0"/>
-              <a:t>19/3/2025</a:t>
+              <a:t>23/3/2025</a:t>
             </a:fld>
             <a:endParaRPr lang="es-419"/>
           </a:p>
@@ -2323,7 +2325,7 @@
           <a:p>
             <a:fld id="{5B8FFEE8-2475-40EF-A1A3-6DDDBD8BDA66}" type="datetimeFigureOut">
               <a:rPr lang="es-419" smtClean="0"/>
-              <a:t>19/3/2025</a:t>
+              <a:t>23/3/2025</a:t>
             </a:fld>
             <a:endParaRPr lang="es-419"/>
           </a:p>
@@ -2465,7 +2467,7 @@
           <a:p>
             <a:fld id="{5B8FFEE8-2475-40EF-A1A3-6DDDBD8BDA66}" type="datetimeFigureOut">
               <a:rPr lang="es-419" smtClean="0"/>
-              <a:t>19/3/2025</a:t>
+              <a:t>23/3/2025</a:t>
             </a:fld>
             <a:endParaRPr lang="es-419"/>
           </a:p>
@@ -2578,7 +2580,7 @@
           <a:p>
             <a:fld id="{5B8FFEE8-2475-40EF-A1A3-6DDDBD8BDA66}" type="datetimeFigureOut">
               <a:rPr lang="es-419" smtClean="0"/>
-              <a:t>19/3/2025</a:t>
+              <a:t>23/3/2025</a:t>
             </a:fld>
             <a:endParaRPr lang="es-419"/>
           </a:p>
@@ -2891,7 +2893,7 @@
           <a:p>
             <a:fld id="{5B8FFEE8-2475-40EF-A1A3-6DDDBD8BDA66}" type="datetimeFigureOut">
               <a:rPr lang="es-419" smtClean="0"/>
-              <a:t>19/3/2025</a:t>
+              <a:t>23/3/2025</a:t>
             </a:fld>
             <a:endParaRPr lang="es-419"/>
           </a:p>
@@ -3180,7 +3182,7 @@
           <a:p>
             <a:fld id="{5B8FFEE8-2475-40EF-A1A3-6DDDBD8BDA66}" type="datetimeFigureOut">
               <a:rPr lang="es-419" smtClean="0"/>
-              <a:t>19/3/2025</a:t>
+              <a:t>23/3/2025</a:t>
             </a:fld>
             <a:endParaRPr lang="es-419"/>
           </a:p>
@@ -3423,7 +3425,7 @@
           <a:p>
             <a:fld id="{5B8FFEE8-2475-40EF-A1A3-6DDDBD8BDA66}" type="datetimeFigureOut">
               <a:rPr lang="es-419" smtClean="0"/>
-              <a:t>19/3/2025</a:t>
+              <a:t>23/3/2025</a:t>
             </a:fld>
             <a:endParaRPr lang="es-419"/>
           </a:p>
@@ -4083,6 +4085,183 @@
 </p:sld>
 </file>
 
+<file path=ppt/slides/slide10.xml><?xml version="1.0" encoding="utf-8"?>
+<p:sld xmlns:a="http://schemas.openxmlformats.org/drawingml/2006/main" xmlns:r="http://schemas.openxmlformats.org/officeDocument/2006/relationships" xmlns:p="http://schemas.openxmlformats.org/presentationml/2006/main">
+  <p:cSld>
+    <p:spTree>
+      <p:nvGrpSpPr>
+        <p:cNvPr id="1" name="">
+          <a:extLst>
+            <a:ext uri="{FF2B5EF4-FFF2-40B4-BE49-F238E27FC236}">
+              <a16:creationId xmlns:a16="http://schemas.microsoft.com/office/drawing/2014/main" id="{3372B500-7D7A-0431-2A50-28CF123F68D6}"/>
+            </a:ext>
+          </a:extLst>
+        </p:cNvPr>
+        <p:cNvGrpSpPr/>
+        <p:nvPr/>
+      </p:nvGrpSpPr>
+      <p:grpSpPr>
+        <a:xfrm>
+          <a:off x="0" y="0"/>
+          <a:ext cx="0" cy="0"/>
+          <a:chOff x="0" y="0"/>
+          <a:chExt cx="0" cy="0"/>
+        </a:xfrm>
+      </p:grpSpPr>
+      <p:pic>
+        <p:nvPicPr>
+          <p:cNvPr id="3" name="Imagen 2">
+            <a:extLst>
+              <a:ext uri="{FF2B5EF4-FFF2-40B4-BE49-F238E27FC236}">
+                <a16:creationId xmlns:a16="http://schemas.microsoft.com/office/drawing/2014/main" id="{69B40978-F15C-A563-ACEE-B35CC8FF1B8F}"/>
+              </a:ext>
+            </a:extLst>
+          </p:cNvPr>
+          <p:cNvPicPr>
+            <a:picLocks noChangeAspect="1"/>
+          </p:cNvPicPr>
+          <p:nvPr/>
+        </p:nvPicPr>
+        <p:blipFill>
+          <a:blip r:embed="rId2">
+            <a:extLst>
+              <a:ext uri="{28A0092B-C50C-407E-A947-70E740481C1C}">
+                <a14:useLocalDpi xmlns:a14="http://schemas.microsoft.com/office/drawing/2010/main" val="0"/>
+              </a:ext>
+            </a:extLst>
+          </a:blip>
+          <a:stretch>
+            <a:fillRect/>
+          </a:stretch>
+        </p:blipFill>
+        <p:spPr>
+          <a:xfrm>
+            <a:off x="235880" y="162728"/>
+            <a:ext cx="3467100" cy="4762500"/>
+          </a:xfrm>
+          <a:prstGeom prst="rect">
+            <a:avLst/>
+          </a:prstGeom>
+        </p:spPr>
+      </p:pic>
+      <p:pic>
+        <p:nvPicPr>
+          <p:cNvPr id="15" name="Imagen 14">
+            <a:extLst>
+              <a:ext uri="{FF2B5EF4-FFF2-40B4-BE49-F238E27FC236}">
+                <a16:creationId xmlns:a16="http://schemas.microsoft.com/office/drawing/2014/main" id="{8C508A18-9078-CF65-FEBF-303600A95FD4}"/>
+              </a:ext>
+            </a:extLst>
+          </p:cNvPr>
+          <p:cNvPicPr>
+            <a:picLocks noChangeAspect="1"/>
+          </p:cNvPicPr>
+          <p:nvPr/>
+        </p:nvPicPr>
+        <p:blipFill>
+          <a:blip r:embed="rId3">
+            <a:extLst>
+              <a:ext uri="{28A0092B-C50C-407E-A947-70E740481C1C}">
+                <a14:useLocalDpi xmlns:a14="http://schemas.microsoft.com/office/drawing/2010/main" val="0"/>
+              </a:ext>
+            </a:extLst>
+          </a:blip>
+          <a:srcRect l="15941" t="13874" r="16546" b="4664"/>
+          <a:stretch/>
+        </p:blipFill>
+        <p:spPr>
+          <a:xfrm>
+            <a:off x="3551470" y="2072471"/>
+            <a:ext cx="3467102" cy="4762501"/>
+          </a:xfrm>
+          <a:prstGeom prst="rect">
+            <a:avLst/>
+          </a:prstGeom>
+        </p:spPr>
+      </p:pic>
+      <p:pic>
+        <p:nvPicPr>
+          <p:cNvPr id="13" name="Imagen 12">
+            <a:extLst>
+              <a:ext uri="{FF2B5EF4-FFF2-40B4-BE49-F238E27FC236}">
+                <a16:creationId xmlns:a16="http://schemas.microsoft.com/office/drawing/2014/main" id="{D7249FBC-233C-5478-4DFC-ED11E3D6ADA5}"/>
+              </a:ext>
+            </a:extLst>
+          </p:cNvPr>
+          <p:cNvPicPr>
+            <a:picLocks noChangeAspect="1"/>
+          </p:cNvPicPr>
+          <p:nvPr/>
+        </p:nvPicPr>
+        <p:blipFill>
+          <a:blip r:embed="rId4">
+            <a:extLst>
+              <a:ext uri="{28A0092B-C50C-407E-A947-70E740481C1C}">
+                <a14:useLocalDpi xmlns:a14="http://schemas.microsoft.com/office/drawing/2010/main" val="0"/>
+              </a:ext>
+            </a:extLst>
+          </a:blip>
+          <a:srcRect l="17276" t="6593" r="17874" b="6602"/>
+          <a:stretch/>
+        </p:blipFill>
+        <p:spPr>
+          <a:xfrm>
+            <a:off x="5772149" y="-140504"/>
+            <a:ext cx="3467101" cy="4762500"/>
+          </a:xfrm>
+          <a:prstGeom prst="rect">
+            <a:avLst/>
+          </a:prstGeom>
+        </p:spPr>
+      </p:pic>
+      <p:pic>
+        <p:nvPicPr>
+          <p:cNvPr id="11" name="Imagen 10">
+            <a:extLst>
+              <a:ext uri="{FF2B5EF4-FFF2-40B4-BE49-F238E27FC236}">
+                <a16:creationId xmlns:a16="http://schemas.microsoft.com/office/drawing/2014/main" id="{AF2CA44B-5EB5-E8AC-1858-C85773989533}"/>
+              </a:ext>
+            </a:extLst>
+          </p:cNvPr>
+          <p:cNvPicPr>
+            <a:picLocks noChangeAspect="1"/>
+          </p:cNvPicPr>
+          <p:nvPr/>
+        </p:nvPicPr>
+        <p:blipFill>
+          <a:blip r:embed="rId5">
+            <a:extLst>
+              <a:ext uri="{28A0092B-C50C-407E-A947-70E740481C1C}">
+                <a14:useLocalDpi xmlns:a14="http://schemas.microsoft.com/office/drawing/2010/main" val="0"/>
+              </a:ext>
+            </a:extLst>
+          </a:blip>
+          <a:srcRect l="19100" t="9350" r="19100" b="9350"/>
+          <a:stretch/>
+        </p:blipFill>
+        <p:spPr>
+          <a:xfrm>
+            <a:off x="8600612" y="2095499"/>
+            <a:ext cx="3467101" cy="4762501"/>
+          </a:xfrm>
+          <a:prstGeom prst="rect">
+            <a:avLst/>
+          </a:prstGeom>
+        </p:spPr>
+      </p:pic>
+    </p:spTree>
+    <p:extLst>
+      <p:ext uri="{BB962C8B-B14F-4D97-AF65-F5344CB8AC3E}">
+        <p14:creationId xmlns:p14="http://schemas.microsoft.com/office/powerpoint/2010/main" val="3559170658"/>
+      </p:ext>
+    </p:extLst>
+  </p:cSld>
+  <p:clrMapOvr>
+    <a:masterClrMapping/>
+  </p:clrMapOvr>
+</p:sld>
+</file>
+
 <file path=ppt/slides/slide2.xml><?xml version="1.0" encoding="utf-8"?>
 <p:sld xmlns:a="http://schemas.openxmlformats.org/drawingml/2006/main" xmlns:r="http://schemas.openxmlformats.org/officeDocument/2006/relationships" xmlns:p="http://schemas.openxmlformats.org/presentationml/2006/main">
   <p:cSld>
@@ -7045,7 +7224,7 @@
         </p:blipFill>
         <p:spPr>
           <a:xfrm>
-            <a:off x="415368" y="406728"/>
+            <a:off x="472518" y="406728"/>
             <a:ext cx="4762500" cy="4762500"/>
           </a:xfrm>
           <a:prstGeom prst="rect">
@@ -7130,7 +7309,13 @@
   <p:cSld>
     <p:spTree>
       <p:nvGrpSpPr>
-        <p:cNvPr id="1" name=""/>
+        <p:cNvPr id="1" name="">
+          <a:extLst>
+            <a:ext uri="{FF2B5EF4-FFF2-40B4-BE49-F238E27FC236}">
+              <a16:creationId xmlns:a16="http://schemas.microsoft.com/office/drawing/2014/main" id="{DFA8BC43-20F4-818C-8B7D-01B2A3A003B2}"/>
+            </a:ext>
+          </a:extLst>
+        </p:cNvPr>
         <p:cNvGrpSpPr/>
         <p:nvPr/>
       </p:nvGrpSpPr>
@@ -7142,440 +7327,80 @@
           <a:chExt cx="0" cy="0"/>
         </a:xfrm>
       </p:grpSpPr>
-      <p:sp>
-        <p:nvSpPr>
-          <p:cNvPr id="2" name="Rectángulo 1">
-            <a:extLst>
-              <a:ext uri="{FF2B5EF4-FFF2-40B4-BE49-F238E27FC236}">
-                <a16:creationId xmlns:a16="http://schemas.microsoft.com/office/drawing/2014/main" id="{AD36170F-5FA1-F595-7EE4-ED339083B7CF}"/>
-              </a:ext>
-            </a:extLst>
-          </p:cNvPr>
-          <p:cNvSpPr/>
+      <p:pic>
+        <p:nvPicPr>
+          <p:cNvPr id="3" name="Imagen 2">
+            <a:extLst>
+              <a:ext uri="{FF2B5EF4-FFF2-40B4-BE49-F238E27FC236}">
+                <a16:creationId xmlns:a16="http://schemas.microsoft.com/office/drawing/2014/main" id="{4C10E895-41F1-937E-2861-8988AB1B789B}"/>
+              </a:ext>
+            </a:extLst>
+          </p:cNvPr>
+          <p:cNvPicPr>
+            <a:picLocks noChangeAspect="1"/>
+          </p:cNvPicPr>
           <p:nvPr/>
-        </p:nvSpPr>
-        <p:spPr>
-          <a:xfrm>
-            <a:off x="285750" y="257174"/>
-            <a:ext cx="1333500" cy="390525"/>
+        </p:nvPicPr>
+        <p:blipFill>
+          <a:blip r:embed="rId2">
+            <a:extLst>
+              <a:ext uri="{28A0092B-C50C-407E-A947-70E740481C1C}">
+                <a14:useLocalDpi xmlns:a14="http://schemas.microsoft.com/office/drawing/2010/main" val="0"/>
+              </a:ext>
+            </a:extLst>
+          </a:blip>
+          <a:srcRect l="26431" t="9481" r="27029" b="9803"/>
+          <a:stretch/>
+        </p:blipFill>
+        <p:spPr>
+          <a:xfrm>
+            <a:off x="6276072" y="581788"/>
+            <a:ext cx="4762500" cy="4762500"/>
           </a:xfrm>
           <a:prstGeom prst="rect">
             <a:avLst/>
           </a:prstGeom>
-          <a:solidFill>
-            <a:srgbClr val="01244A"/>
-          </a:solidFill>
-        </p:spPr>
-        <p:style>
-          <a:lnRef idx="2">
-            <a:schemeClr val="accent1">
-              <a:shade val="15000"/>
-            </a:schemeClr>
-          </a:lnRef>
-          <a:fillRef idx="1">
-            <a:schemeClr val="accent1"/>
-          </a:fillRef>
-          <a:effectRef idx="0">
-            <a:schemeClr val="accent1"/>
-          </a:effectRef>
-          <a:fontRef idx="minor">
-            <a:schemeClr val="lt1"/>
-          </a:fontRef>
-        </p:style>
-        <p:txBody>
-          <a:bodyPr rtlCol="0" anchor="ctr"/>
-          <a:lstStyle/>
-          <a:p>
-            <a:pPr algn="ctr"/>
-            <a:endParaRPr lang="es-CO"/>
-          </a:p>
-        </p:txBody>
-      </p:sp>
-      <p:sp>
-        <p:nvSpPr>
-          <p:cNvPr id="3" name="CuadroTexto 2">
-            <a:extLst>
-              <a:ext uri="{FF2B5EF4-FFF2-40B4-BE49-F238E27FC236}">
-                <a16:creationId xmlns:a16="http://schemas.microsoft.com/office/drawing/2014/main" id="{89C4CF23-E0BF-6251-7B41-B7E0945A309A}"/>
-              </a:ext>
-            </a:extLst>
-          </p:cNvPr>
-          <p:cNvSpPr txBox="1"/>
+        </p:spPr>
+      </p:pic>
+      <p:pic>
+        <p:nvPicPr>
+          <p:cNvPr id="7" name="Imagen 6">
+            <a:extLst>
+              <a:ext uri="{FF2B5EF4-FFF2-40B4-BE49-F238E27FC236}">
+                <a16:creationId xmlns:a16="http://schemas.microsoft.com/office/drawing/2014/main" id="{462FF842-AFB2-16E6-F8EC-B8468231D108}"/>
+              </a:ext>
+            </a:extLst>
+          </p:cNvPr>
+          <p:cNvPicPr>
+            <a:picLocks noChangeAspect="1"/>
+          </p:cNvPicPr>
           <p:nvPr/>
-        </p:nvSpPr>
-        <p:spPr>
-          <a:xfrm>
-            <a:off x="443386" y="257174"/>
-            <a:ext cx="1018227" cy="369332"/>
+        </p:nvPicPr>
+        <p:blipFill>
+          <a:blip r:embed="rId3">
+            <a:extLst>
+              <a:ext uri="{28A0092B-C50C-407E-A947-70E740481C1C}">
+                <a14:useLocalDpi xmlns:a14="http://schemas.microsoft.com/office/drawing/2010/main" val="0"/>
+              </a:ext>
+            </a:extLst>
+          </a:blip>
+          <a:srcRect l="26204" t="9420" r="27159" b="10569"/>
+          <a:stretch/>
+        </p:blipFill>
+        <p:spPr>
+          <a:xfrm>
+            <a:off x="618222" y="649225"/>
+            <a:ext cx="4762501" cy="4695063"/>
           </a:xfrm>
           <a:prstGeom prst="rect">
             <a:avLst/>
           </a:prstGeom>
-          <a:noFill/>
-        </p:spPr>
-        <p:txBody>
-          <a:bodyPr wrap="none" rtlCol="0">
-            <a:spAutoFit/>
-          </a:bodyPr>
-          <a:lstStyle/>
-          <a:p>
-            <a:r>
-              <a:rPr lang="es-CO" dirty="0">
-                <a:solidFill>
-                  <a:schemeClr val="bg1"/>
-                </a:solidFill>
-              </a:rPr>
-              <a:t>#01244A</a:t>
-            </a:r>
-          </a:p>
-        </p:txBody>
-      </p:sp>
-      <p:sp>
-        <p:nvSpPr>
-          <p:cNvPr id="4" name="Rectángulo 3">
-            <a:extLst>
-              <a:ext uri="{FF2B5EF4-FFF2-40B4-BE49-F238E27FC236}">
-                <a16:creationId xmlns:a16="http://schemas.microsoft.com/office/drawing/2014/main" id="{CC0DA703-01C6-BC66-5F53-3C59B57A84A7}"/>
-              </a:ext>
-            </a:extLst>
-          </p:cNvPr>
-          <p:cNvSpPr/>
-          <p:nvPr/>
-        </p:nvSpPr>
-        <p:spPr>
-          <a:xfrm>
-            <a:off x="2009775" y="257174"/>
-            <a:ext cx="1333500" cy="390525"/>
-          </a:xfrm>
-          <a:prstGeom prst="rect">
-            <a:avLst/>
-          </a:prstGeom>
-          <a:solidFill>
-            <a:srgbClr val="1F4E79"/>
-          </a:solidFill>
-        </p:spPr>
-        <p:style>
-          <a:lnRef idx="2">
-            <a:schemeClr val="accent1">
-              <a:shade val="15000"/>
-            </a:schemeClr>
-          </a:lnRef>
-          <a:fillRef idx="1">
-            <a:schemeClr val="accent1"/>
-          </a:fillRef>
-          <a:effectRef idx="0">
-            <a:schemeClr val="accent1"/>
-          </a:effectRef>
-          <a:fontRef idx="minor">
-            <a:schemeClr val="lt1"/>
-          </a:fontRef>
-        </p:style>
-        <p:txBody>
-          <a:bodyPr rtlCol="0" anchor="ctr"/>
-          <a:lstStyle/>
-          <a:p>
-            <a:pPr algn="ctr"/>
-            <a:endParaRPr lang="es-CO"/>
-          </a:p>
-        </p:txBody>
-      </p:sp>
-      <p:sp>
-        <p:nvSpPr>
-          <p:cNvPr id="5" name="CuadroTexto 4">
-            <a:extLst>
-              <a:ext uri="{FF2B5EF4-FFF2-40B4-BE49-F238E27FC236}">
-                <a16:creationId xmlns:a16="http://schemas.microsoft.com/office/drawing/2014/main" id="{9A4EF576-6E5A-D07A-84D9-B65298CA5B09}"/>
-              </a:ext>
-            </a:extLst>
-          </p:cNvPr>
-          <p:cNvSpPr txBox="1"/>
-          <p:nvPr/>
-        </p:nvSpPr>
-        <p:spPr>
-          <a:xfrm>
-            <a:off x="2167411" y="278367"/>
-            <a:ext cx="1018227" cy="369332"/>
-          </a:xfrm>
-          <a:prstGeom prst="rect">
-            <a:avLst/>
-          </a:prstGeom>
-          <a:noFill/>
-        </p:spPr>
-        <p:txBody>
-          <a:bodyPr wrap="none" rtlCol="0">
-            <a:spAutoFit/>
-          </a:bodyPr>
-          <a:lstStyle/>
-          <a:p>
-            <a:r>
-              <a:rPr lang="es-CO" dirty="0">
-                <a:solidFill>
-                  <a:schemeClr val="bg1"/>
-                </a:solidFill>
-              </a:rPr>
-              <a:t>#1F4E79</a:t>
-            </a:r>
-          </a:p>
-        </p:txBody>
-      </p:sp>
-      <p:sp>
-        <p:nvSpPr>
-          <p:cNvPr id="6" name="Rectángulo 5">
-            <a:extLst>
-              <a:ext uri="{FF2B5EF4-FFF2-40B4-BE49-F238E27FC236}">
-                <a16:creationId xmlns:a16="http://schemas.microsoft.com/office/drawing/2014/main" id="{989B1425-3CFE-416D-9C96-24883DDC8AB9}"/>
-              </a:ext>
-            </a:extLst>
-          </p:cNvPr>
-          <p:cNvSpPr/>
-          <p:nvPr/>
-        </p:nvSpPr>
-        <p:spPr>
-          <a:xfrm>
-            <a:off x="318613" y="952499"/>
-            <a:ext cx="1333500" cy="390525"/>
-          </a:xfrm>
-          <a:prstGeom prst="rect">
-            <a:avLst/>
-          </a:prstGeom>
-          <a:solidFill>
-            <a:srgbClr val="01244A"/>
-          </a:solidFill>
-        </p:spPr>
-        <p:style>
-          <a:lnRef idx="2">
-            <a:schemeClr val="accent1">
-              <a:shade val="15000"/>
-            </a:schemeClr>
-          </a:lnRef>
-          <a:fillRef idx="1">
-            <a:schemeClr val="accent1"/>
-          </a:fillRef>
-          <a:effectRef idx="0">
-            <a:schemeClr val="accent1"/>
-          </a:effectRef>
-          <a:fontRef idx="minor">
-            <a:schemeClr val="lt1"/>
-          </a:fontRef>
-        </p:style>
-        <p:txBody>
-          <a:bodyPr rtlCol="0" anchor="ctr"/>
-          <a:lstStyle/>
-          <a:p>
-            <a:pPr algn="ctr"/>
-            <a:endParaRPr lang="es-CO"/>
-          </a:p>
-        </p:txBody>
-      </p:sp>
-      <p:sp>
-        <p:nvSpPr>
-          <p:cNvPr id="7" name="CuadroTexto 6">
-            <a:extLst>
-              <a:ext uri="{FF2B5EF4-FFF2-40B4-BE49-F238E27FC236}">
-                <a16:creationId xmlns:a16="http://schemas.microsoft.com/office/drawing/2014/main" id="{03F67381-32F6-D9AC-5265-A8DE6F5F2D95}"/>
-              </a:ext>
-            </a:extLst>
-          </p:cNvPr>
-          <p:cNvSpPr txBox="1"/>
-          <p:nvPr/>
-        </p:nvSpPr>
-        <p:spPr>
-          <a:xfrm>
-            <a:off x="443385" y="964642"/>
-            <a:ext cx="1018227" cy="369332"/>
-          </a:xfrm>
-          <a:prstGeom prst="rect">
-            <a:avLst/>
-          </a:prstGeom>
-          <a:noFill/>
-        </p:spPr>
-        <p:txBody>
-          <a:bodyPr wrap="none" rtlCol="0">
-            <a:spAutoFit/>
-          </a:bodyPr>
-          <a:lstStyle/>
-          <a:p>
-            <a:r>
-              <a:rPr lang="es-CO" dirty="0">
-                <a:solidFill>
-                  <a:srgbClr val="5597D3"/>
-                </a:solidFill>
-              </a:rPr>
-              <a:t>#5597D3</a:t>
-            </a:r>
-          </a:p>
-        </p:txBody>
-      </p:sp>
-      <p:sp>
-        <p:nvSpPr>
-          <p:cNvPr id="8" name="CuadroTexto 7">
-            <a:extLst>
-              <a:ext uri="{FF2B5EF4-FFF2-40B4-BE49-F238E27FC236}">
-                <a16:creationId xmlns:a16="http://schemas.microsoft.com/office/drawing/2014/main" id="{C3A41CC0-CE4F-556F-691D-A523678690A1}"/>
-              </a:ext>
-            </a:extLst>
-          </p:cNvPr>
-          <p:cNvSpPr txBox="1"/>
-          <p:nvPr/>
-        </p:nvSpPr>
-        <p:spPr>
-          <a:xfrm>
-            <a:off x="1658297" y="973692"/>
-            <a:ext cx="434286" cy="369332"/>
-          </a:xfrm>
-          <a:prstGeom prst="rect">
-            <a:avLst/>
-          </a:prstGeom>
-          <a:noFill/>
-        </p:spPr>
-        <p:txBody>
-          <a:bodyPr wrap="none" rtlCol="0">
-            <a:spAutoFit/>
-          </a:bodyPr>
-          <a:lstStyle/>
-          <a:p>
-            <a:r>
-              <a:rPr lang="es-CO" dirty="0"/>
-              <a:t>FG</a:t>
-            </a:r>
-          </a:p>
-        </p:txBody>
-      </p:sp>
-      <p:sp>
-        <p:nvSpPr>
-          <p:cNvPr id="9" name="CuadroTexto 8">
-            <a:extLst>
-              <a:ext uri="{FF2B5EF4-FFF2-40B4-BE49-F238E27FC236}">
-                <a16:creationId xmlns:a16="http://schemas.microsoft.com/office/drawing/2014/main" id="{66BEFCC0-8C83-5C99-AD63-776CE7037CE0}"/>
-              </a:ext>
-            </a:extLst>
-          </p:cNvPr>
-          <p:cNvSpPr txBox="1"/>
-          <p:nvPr/>
-        </p:nvSpPr>
-        <p:spPr>
-          <a:xfrm>
-            <a:off x="3343274" y="257174"/>
-            <a:ext cx="455574" cy="369332"/>
-          </a:xfrm>
-          <a:prstGeom prst="rect">
-            <a:avLst/>
-          </a:prstGeom>
-          <a:noFill/>
-        </p:spPr>
-        <p:txBody>
-          <a:bodyPr wrap="none" rtlCol="0">
-            <a:spAutoFit/>
-          </a:bodyPr>
-          <a:lstStyle/>
-          <a:p>
-            <a:r>
-              <a:rPr lang="es-CO" dirty="0"/>
-              <a:t>BG</a:t>
-            </a:r>
-          </a:p>
-        </p:txBody>
-      </p:sp>
-      <p:sp>
-        <p:nvSpPr>
-          <p:cNvPr id="10" name="CuadroTexto 9">
-            <a:extLst>
-              <a:ext uri="{FF2B5EF4-FFF2-40B4-BE49-F238E27FC236}">
-                <a16:creationId xmlns:a16="http://schemas.microsoft.com/office/drawing/2014/main" id="{11D64C05-6F72-4F65-6E32-1DA0550CA712}"/>
-              </a:ext>
-            </a:extLst>
-          </p:cNvPr>
-          <p:cNvSpPr txBox="1"/>
-          <p:nvPr/>
-        </p:nvSpPr>
-        <p:spPr>
-          <a:xfrm>
-            <a:off x="1586726" y="278367"/>
-            <a:ext cx="455574" cy="369332"/>
-          </a:xfrm>
-          <a:prstGeom prst="rect">
-            <a:avLst/>
-          </a:prstGeom>
-          <a:noFill/>
-        </p:spPr>
-        <p:txBody>
-          <a:bodyPr wrap="none" rtlCol="0">
-            <a:spAutoFit/>
-          </a:bodyPr>
-          <a:lstStyle/>
-          <a:p>
-            <a:r>
-              <a:rPr lang="es-CO" dirty="0"/>
-              <a:t>BG</a:t>
-            </a:r>
-          </a:p>
-        </p:txBody>
-      </p:sp>
-      <p:pic>
-        <p:nvPicPr>
-          <p:cNvPr id="1026" name="Picture 2" descr="Icono de color de sombra larga de diseño plano de punta de flecha naranja  hacia la">
-            <a:extLst>
-              <a:ext uri="{FF2B5EF4-FFF2-40B4-BE49-F238E27FC236}">
-                <a16:creationId xmlns:a16="http://schemas.microsoft.com/office/drawing/2014/main" id="{3419306B-D77D-15B8-6257-D43FF0D172C5}"/>
-              </a:ext>
-            </a:extLst>
-          </p:cNvPr>
-          <p:cNvPicPr>
-            <a:picLocks noChangeAspect="1" noChangeArrowheads="1"/>
-          </p:cNvPicPr>
-          <p:nvPr/>
-        </p:nvPicPr>
-        <p:blipFill rotWithShape="1">
-          <a:blip r:embed="rId2">
-            <a:duotone>
-              <a:prstClr val="black"/>
-              <a:srgbClr val="5597D3">
-                <a:tint val="45000"/>
-                <a:satMod val="400000"/>
-              </a:srgbClr>
-            </a:duotone>
-            <a:extLst>
-              <a:ext uri="{BEBA8EAE-BF5A-486C-A8C5-ECC9F3942E4B}">
-                <a14:imgProps xmlns:a14="http://schemas.microsoft.com/office/drawing/2010/main">
-                  <a14:imgLayer r:embed="rId3">
-                    <a14:imgEffect>
-                      <a14:backgroundRemoval t="10000" b="90000" l="10000" r="90000"/>
-                    </a14:imgEffect>
-                  </a14:imgLayer>
-                </a14:imgProps>
-              </a:ext>
-              <a:ext uri="{28A0092B-C50C-407E-A947-70E740481C1C}">
-                <a14:useLocalDpi xmlns:a14="http://schemas.microsoft.com/office/drawing/2010/main" val="0"/>
-              </a:ext>
-            </a:extLst>
-          </a:blip>
-          <a:srcRect l="20785" t="13214" r="23500" b="11786"/>
-          <a:stretch/>
-        </p:blipFill>
-        <p:spPr bwMode="auto">
-          <a:xfrm>
-            <a:off x="609600" y="2797968"/>
-            <a:ext cx="371476" cy="631032"/>
-          </a:xfrm>
-          <a:prstGeom prst="rect">
-            <a:avLst/>
-          </a:prstGeom>
-          <a:noFill/>
-          <a:extLst>
-            <a:ext uri="{909E8E84-426E-40DD-AFC4-6F175D3DCCD1}">
-              <a14:hiddenFill xmlns:a14="http://schemas.microsoft.com/office/drawing/2010/main">
-                <a:solidFill>
-                  <a:srgbClr val="FFFFFF"/>
-                </a:solidFill>
-              </a14:hiddenFill>
-            </a:ext>
-          </a:extLst>
         </p:spPr>
       </p:pic>
     </p:spTree>
     <p:extLst>
       <p:ext uri="{BB962C8B-B14F-4D97-AF65-F5344CB8AC3E}">
-        <p14:creationId xmlns:p14="http://schemas.microsoft.com/office/powerpoint/2010/main" val="2067909663"/>
+        <p14:creationId xmlns:p14="http://schemas.microsoft.com/office/powerpoint/2010/main" val="3836481844"/>
       </p:ext>
     </p:extLst>
   </p:cSld>
@@ -7602,115 +7427,440 @@
           <a:chExt cx="0" cy="0"/>
         </a:xfrm>
       </p:grpSpPr>
+      <p:sp>
+        <p:nvSpPr>
+          <p:cNvPr id="2" name="Rectángulo 1">
+            <a:extLst>
+              <a:ext uri="{FF2B5EF4-FFF2-40B4-BE49-F238E27FC236}">
+                <a16:creationId xmlns:a16="http://schemas.microsoft.com/office/drawing/2014/main" id="{AD36170F-5FA1-F595-7EE4-ED339083B7CF}"/>
+              </a:ext>
+            </a:extLst>
+          </p:cNvPr>
+          <p:cNvSpPr/>
+          <p:nvPr/>
+        </p:nvSpPr>
+        <p:spPr>
+          <a:xfrm>
+            <a:off x="285750" y="257174"/>
+            <a:ext cx="1333500" cy="390525"/>
+          </a:xfrm>
+          <a:prstGeom prst="rect">
+            <a:avLst/>
+          </a:prstGeom>
+          <a:solidFill>
+            <a:srgbClr val="01244A"/>
+          </a:solidFill>
+        </p:spPr>
+        <p:style>
+          <a:lnRef idx="2">
+            <a:schemeClr val="accent1">
+              <a:shade val="15000"/>
+            </a:schemeClr>
+          </a:lnRef>
+          <a:fillRef idx="1">
+            <a:schemeClr val="accent1"/>
+          </a:fillRef>
+          <a:effectRef idx="0">
+            <a:schemeClr val="accent1"/>
+          </a:effectRef>
+          <a:fontRef idx="minor">
+            <a:schemeClr val="lt1"/>
+          </a:fontRef>
+        </p:style>
+        <p:txBody>
+          <a:bodyPr rtlCol="0" anchor="ctr"/>
+          <a:lstStyle/>
+          <a:p>
+            <a:pPr algn="ctr"/>
+            <a:endParaRPr lang="es-CO"/>
+          </a:p>
+        </p:txBody>
+      </p:sp>
+      <p:sp>
+        <p:nvSpPr>
+          <p:cNvPr id="3" name="CuadroTexto 2">
+            <a:extLst>
+              <a:ext uri="{FF2B5EF4-FFF2-40B4-BE49-F238E27FC236}">
+                <a16:creationId xmlns:a16="http://schemas.microsoft.com/office/drawing/2014/main" id="{89C4CF23-E0BF-6251-7B41-B7E0945A309A}"/>
+              </a:ext>
+            </a:extLst>
+          </p:cNvPr>
+          <p:cNvSpPr txBox="1"/>
+          <p:nvPr/>
+        </p:nvSpPr>
+        <p:spPr>
+          <a:xfrm>
+            <a:off x="443386" y="257174"/>
+            <a:ext cx="1018227" cy="369332"/>
+          </a:xfrm>
+          <a:prstGeom prst="rect">
+            <a:avLst/>
+          </a:prstGeom>
+          <a:noFill/>
+        </p:spPr>
+        <p:txBody>
+          <a:bodyPr wrap="none" rtlCol="0">
+            <a:spAutoFit/>
+          </a:bodyPr>
+          <a:lstStyle/>
+          <a:p>
+            <a:r>
+              <a:rPr lang="es-CO" dirty="0">
+                <a:solidFill>
+                  <a:schemeClr val="bg1"/>
+                </a:solidFill>
+              </a:rPr>
+              <a:t>#01244A</a:t>
+            </a:r>
+          </a:p>
+        </p:txBody>
+      </p:sp>
+      <p:sp>
+        <p:nvSpPr>
+          <p:cNvPr id="4" name="Rectángulo 3">
+            <a:extLst>
+              <a:ext uri="{FF2B5EF4-FFF2-40B4-BE49-F238E27FC236}">
+                <a16:creationId xmlns:a16="http://schemas.microsoft.com/office/drawing/2014/main" id="{CC0DA703-01C6-BC66-5F53-3C59B57A84A7}"/>
+              </a:ext>
+            </a:extLst>
+          </p:cNvPr>
+          <p:cNvSpPr/>
+          <p:nvPr/>
+        </p:nvSpPr>
+        <p:spPr>
+          <a:xfrm>
+            <a:off x="2009775" y="257174"/>
+            <a:ext cx="1333500" cy="390525"/>
+          </a:xfrm>
+          <a:prstGeom prst="rect">
+            <a:avLst/>
+          </a:prstGeom>
+          <a:solidFill>
+            <a:srgbClr val="1F4E79"/>
+          </a:solidFill>
+        </p:spPr>
+        <p:style>
+          <a:lnRef idx="2">
+            <a:schemeClr val="accent1">
+              <a:shade val="15000"/>
+            </a:schemeClr>
+          </a:lnRef>
+          <a:fillRef idx="1">
+            <a:schemeClr val="accent1"/>
+          </a:fillRef>
+          <a:effectRef idx="0">
+            <a:schemeClr val="accent1"/>
+          </a:effectRef>
+          <a:fontRef idx="minor">
+            <a:schemeClr val="lt1"/>
+          </a:fontRef>
+        </p:style>
+        <p:txBody>
+          <a:bodyPr rtlCol="0" anchor="ctr"/>
+          <a:lstStyle/>
+          <a:p>
+            <a:pPr algn="ctr"/>
+            <a:endParaRPr lang="es-CO"/>
+          </a:p>
+        </p:txBody>
+      </p:sp>
+      <p:sp>
+        <p:nvSpPr>
+          <p:cNvPr id="5" name="CuadroTexto 4">
+            <a:extLst>
+              <a:ext uri="{FF2B5EF4-FFF2-40B4-BE49-F238E27FC236}">
+                <a16:creationId xmlns:a16="http://schemas.microsoft.com/office/drawing/2014/main" id="{9A4EF576-6E5A-D07A-84D9-B65298CA5B09}"/>
+              </a:ext>
+            </a:extLst>
+          </p:cNvPr>
+          <p:cNvSpPr txBox="1"/>
+          <p:nvPr/>
+        </p:nvSpPr>
+        <p:spPr>
+          <a:xfrm>
+            <a:off x="2167411" y="278367"/>
+            <a:ext cx="1018227" cy="369332"/>
+          </a:xfrm>
+          <a:prstGeom prst="rect">
+            <a:avLst/>
+          </a:prstGeom>
+          <a:noFill/>
+        </p:spPr>
+        <p:txBody>
+          <a:bodyPr wrap="none" rtlCol="0">
+            <a:spAutoFit/>
+          </a:bodyPr>
+          <a:lstStyle/>
+          <a:p>
+            <a:r>
+              <a:rPr lang="es-CO" dirty="0">
+                <a:solidFill>
+                  <a:schemeClr val="bg1"/>
+                </a:solidFill>
+              </a:rPr>
+              <a:t>#1F4E79</a:t>
+            </a:r>
+          </a:p>
+        </p:txBody>
+      </p:sp>
+      <p:sp>
+        <p:nvSpPr>
+          <p:cNvPr id="6" name="Rectángulo 5">
+            <a:extLst>
+              <a:ext uri="{FF2B5EF4-FFF2-40B4-BE49-F238E27FC236}">
+                <a16:creationId xmlns:a16="http://schemas.microsoft.com/office/drawing/2014/main" id="{989B1425-3CFE-416D-9C96-24883DDC8AB9}"/>
+              </a:ext>
+            </a:extLst>
+          </p:cNvPr>
+          <p:cNvSpPr/>
+          <p:nvPr/>
+        </p:nvSpPr>
+        <p:spPr>
+          <a:xfrm>
+            <a:off x="318613" y="952499"/>
+            <a:ext cx="1333500" cy="390525"/>
+          </a:xfrm>
+          <a:prstGeom prst="rect">
+            <a:avLst/>
+          </a:prstGeom>
+          <a:solidFill>
+            <a:srgbClr val="01244A"/>
+          </a:solidFill>
+        </p:spPr>
+        <p:style>
+          <a:lnRef idx="2">
+            <a:schemeClr val="accent1">
+              <a:shade val="15000"/>
+            </a:schemeClr>
+          </a:lnRef>
+          <a:fillRef idx="1">
+            <a:schemeClr val="accent1"/>
+          </a:fillRef>
+          <a:effectRef idx="0">
+            <a:schemeClr val="accent1"/>
+          </a:effectRef>
+          <a:fontRef idx="minor">
+            <a:schemeClr val="lt1"/>
+          </a:fontRef>
+        </p:style>
+        <p:txBody>
+          <a:bodyPr rtlCol="0" anchor="ctr"/>
+          <a:lstStyle/>
+          <a:p>
+            <a:pPr algn="ctr"/>
+            <a:endParaRPr lang="es-CO"/>
+          </a:p>
+        </p:txBody>
+      </p:sp>
+      <p:sp>
+        <p:nvSpPr>
+          <p:cNvPr id="7" name="CuadroTexto 6">
+            <a:extLst>
+              <a:ext uri="{FF2B5EF4-FFF2-40B4-BE49-F238E27FC236}">
+                <a16:creationId xmlns:a16="http://schemas.microsoft.com/office/drawing/2014/main" id="{03F67381-32F6-D9AC-5265-A8DE6F5F2D95}"/>
+              </a:ext>
+            </a:extLst>
+          </p:cNvPr>
+          <p:cNvSpPr txBox="1"/>
+          <p:nvPr/>
+        </p:nvSpPr>
+        <p:spPr>
+          <a:xfrm>
+            <a:off x="443385" y="964642"/>
+            <a:ext cx="1018227" cy="369332"/>
+          </a:xfrm>
+          <a:prstGeom prst="rect">
+            <a:avLst/>
+          </a:prstGeom>
+          <a:noFill/>
+        </p:spPr>
+        <p:txBody>
+          <a:bodyPr wrap="none" rtlCol="0">
+            <a:spAutoFit/>
+          </a:bodyPr>
+          <a:lstStyle/>
+          <a:p>
+            <a:r>
+              <a:rPr lang="es-CO" dirty="0">
+                <a:solidFill>
+                  <a:srgbClr val="5597D3"/>
+                </a:solidFill>
+              </a:rPr>
+              <a:t>#5597D3</a:t>
+            </a:r>
+          </a:p>
+        </p:txBody>
+      </p:sp>
+      <p:sp>
+        <p:nvSpPr>
+          <p:cNvPr id="8" name="CuadroTexto 7">
+            <a:extLst>
+              <a:ext uri="{FF2B5EF4-FFF2-40B4-BE49-F238E27FC236}">
+                <a16:creationId xmlns:a16="http://schemas.microsoft.com/office/drawing/2014/main" id="{C3A41CC0-CE4F-556F-691D-A523678690A1}"/>
+              </a:ext>
+            </a:extLst>
+          </p:cNvPr>
+          <p:cNvSpPr txBox="1"/>
+          <p:nvPr/>
+        </p:nvSpPr>
+        <p:spPr>
+          <a:xfrm>
+            <a:off x="1658297" y="973692"/>
+            <a:ext cx="434286" cy="369332"/>
+          </a:xfrm>
+          <a:prstGeom prst="rect">
+            <a:avLst/>
+          </a:prstGeom>
+          <a:noFill/>
+        </p:spPr>
+        <p:txBody>
+          <a:bodyPr wrap="none" rtlCol="0">
+            <a:spAutoFit/>
+          </a:bodyPr>
+          <a:lstStyle/>
+          <a:p>
+            <a:r>
+              <a:rPr lang="es-CO" dirty="0"/>
+              <a:t>FG</a:t>
+            </a:r>
+          </a:p>
+        </p:txBody>
+      </p:sp>
+      <p:sp>
+        <p:nvSpPr>
+          <p:cNvPr id="9" name="CuadroTexto 8">
+            <a:extLst>
+              <a:ext uri="{FF2B5EF4-FFF2-40B4-BE49-F238E27FC236}">
+                <a16:creationId xmlns:a16="http://schemas.microsoft.com/office/drawing/2014/main" id="{66BEFCC0-8C83-5C99-AD63-776CE7037CE0}"/>
+              </a:ext>
+            </a:extLst>
+          </p:cNvPr>
+          <p:cNvSpPr txBox="1"/>
+          <p:nvPr/>
+        </p:nvSpPr>
+        <p:spPr>
+          <a:xfrm>
+            <a:off x="3343274" y="257174"/>
+            <a:ext cx="455574" cy="369332"/>
+          </a:xfrm>
+          <a:prstGeom prst="rect">
+            <a:avLst/>
+          </a:prstGeom>
+          <a:noFill/>
+        </p:spPr>
+        <p:txBody>
+          <a:bodyPr wrap="none" rtlCol="0">
+            <a:spAutoFit/>
+          </a:bodyPr>
+          <a:lstStyle/>
+          <a:p>
+            <a:r>
+              <a:rPr lang="es-CO" dirty="0"/>
+              <a:t>BG</a:t>
+            </a:r>
+          </a:p>
+        </p:txBody>
+      </p:sp>
+      <p:sp>
+        <p:nvSpPr>
+          <p:cNvPr id="10" name="CuadroTexto 9">
+            <a:extLst>
+              <a:ext uri="{FF2B5EF4-FFF2-40B4-BE49-F238E27FC236}">
+                <a16:creationId xmlns:a16="http://schemas.microsoft.com/office/drawing/2014/main" id="{11D64C05-6F72-4F65-6E32-1DA0550CA712}"/>
+              </a:ext>
+            </a:extLst>
+          </p:cNvPr>
+          <p:cNvSpPr txBox="1"/>
+          <p:nvPr/>
+        </p:nvSpPr>
+        <p:spPr>
+          <a:xfrm>
+            <a:off x="1586726" y="278367"/>
+            <a:ext cx="455574" cy="369332"/>
+          </a:xfrm>
+          <a:prstGeom prst="rect">
+            <a:avLst/>
+          </a:prstGeom>
+          <a:noFill/>
+        </p:spPr>
+        <p:txBody>
+          <a:bodyPr wrap="none" rtlCol="0">
+            <a:spAutoFit/>
+          </a:bodyPr>
+          <a:lstStyle/>
+          <a:p>
+            <a:r>
+              <a:rPr lang="es-CO" dirty="0"/>
+              <a:t>BG</a:t>
+            </a:r>
+          </a:p>
+        </p:txBody>
+      </p:sp>
       <p:pic>
         <p:nvPicPr>
-          <p:cNvPr id="9" name="Imagen 8">
-            <a:extLst>
-              <a:ext uri="{FF2B5EF4-FFF2-40B4-BE49-F238E27FC236}">
-                <a16:creationId xmlns:a16="http://schemas.microsoft.com/office/drawing/2014/main" id="{8BFFC124-383E-B1E3-61F3-C7EAE4BE1F22}"/>
+          <p:cNvPr id="1026" name="Picture 2" descr="Icono de color de sombra larga de diseño plano de punta de flecha naranja  hacia la">
+            <a:extLst>
+              <a:ext uri="{FF2B5EF4-FFF2-40B4-BE49-F238E27FC236}">
+                <a16:creationId xmlns:a16="http://schemas.microsoft.com/office/drawing/2014/main" id="{3419306B-D77D-15B8-6257-D43FF0D172C5}"/>
               </a:ext>
             </a:extLst>
           </p:cNvPr>
           <p:cNvPicPr>
-            <a:picLocks noChangeAspect="1"/>
+            <a:picLocks noChangeAspect="1" noChangeArrowheads="1"/>
           </p:cNvPicPr>
           <p:nvPr/>
         </p:nvPicPr>
-        <p:blipFill>
+        <p:blipFill rotWithShape="1">
           <a:blip r:embed="rId2">
-            <a:extLst>
+            <a:duotone>
+              <a:prstClr val="black"/>
+              <a:srgbClr val="5597D3">
+                <a:tint val="45000"/>
+                <a:satMod val="400000"/>
+              </a:srgbClr>
+            </a:duotone>
+            <a:extLst>
+              <a:ext uri="{BEBA8EAE-BF5A-486C-A8C5-ECC9F3942E4B}">
+                <a14:imgProps xmlns:a14="http://schemas.microsoft.com/office/drawing/2010/main">
+                  <a14:imgLayer r:embed="rId3">
+                    <a14:imgEffect>
+                      <a14:backgroundRemoval t="10000" b="90000" l="10000" r="90000"/>
+                    </a14:imgEffect>
+                  </a14:imgLayer>
+                </a14:imgProps>
+              </a:ext>
               <a:ext uri="{28A0092B-C50C-407E-A947-70E740481C1C}">
                 <a14:useLocalDpi xmlns:a14="http://schemas.microsoft.com/office/drawing/2010/main" val="0"/>
               </a:ext>
             </a:extLst>
           </a:blip>
-          <a:srcRect l="5504" t="4378" r="5504" b="4378"/>
+          <a:srcRect l="20785" t="13214" r="23500" b="11786"/>
           <a:stretch/>
         </p:blipFill>
-        <p:spPr>
-          <a:xfrm>
-            <a:off x="4165104" y="751169"/>
-            <a:ext cx="3467101" cy="4762500"/>
+        <p:spPr bwMode="auto">
+          <a:xfrm>
+            <a:off x="609600" y="2797968"/>
+            <a:ext cx="371476" cy="631032"/>
           </a:xfrm>
           <a:prstGeom prst="rect">
             <a:avLst/>
           </a:prstGeom>
-        </p:spPr>
-      </p:pic>
-      <p:pic>
-        <p:nvPicPr>
-          <p:cNvPr id="7" name="Imagen 6">
-            <a:extLst>
-              <a:ext uri="{FF2B5EF4-FFF2-40B4-BE49-F238E27FC236}">
-                <a16:creationId xmlns:a16="http://schemas.microsoft.com/office/drawing/2014/main" id="{572B9F66-15E2-7AC8-8306-C89BC3ADCA24}"/>
-              </a:ext>
-            </a:extLst>
-          </p:cNvPr>
-          <p:cNvPicPr>
-            <a:picLocks noChangeAspect="1"/>
-          </p:cNvPicPr>
-          <p:nvPr/>
-        </p:nvPicPr>
-        <p:blipFill>
-          <a:blip r:embed="rId3">
-            <a:extLst>
-              <a:ext uri="{28A0092B-C50C-407E-A947-70E740481C1C}">
-                <a14:useLocalDpi xmlns:a14="http://schemas.microsoft.com/office/drawing/2010/main" val="0"/>
-              </a:ext>
-            </a:extLst>
-          </a:blip>
-          <a:srcRect l="7495" t="3735" r="5906" b="5330"/>
-          <a:stretch/>
-        </p:blipFill>
-        <p:spPr>
-          <a:xfrm>
-            <a:off x="302669" y="636368"/>
-            <a:ext cx="3467101" cy="4762500"/>
-          </a:xfrm>
-          <a:prstGeom prst="rect">
-            <a:avLst/>
-          </a:prstGeom>
-        </p:spPr>
-      </p:pic>
-      <p:pic>
-        <p:nvPicPr>
-          <p:cNvPr id="5" name="Imagen 4">
-            <a:extLst>
-              <a:ext uri="{FF2B5EF4-FFF2-40B4-BE49-F238E27FC236}">
-                <a16:creationId xmlns:a16="http://schemas.microsoft.com/office/drawing/2014/main" id="{4E55D2EF-2D5D-9E4A-CB4A-00F30106A482}"/>
-              </a:ext>
-            </a:extLst>
-          </p:cNvPr>
-          <p:cNvPicPr>
-            <a:picLocks noChangeAspect="1"/>
-          </p:cNvPicPr>
-          <p:nvPr/>
-        </p:nvPicPr>
-        <p:blipFill>
-          <a:blip r:embed="rId4">
-            <a:extLst>
-              <a:ext uri="{28A0092B-C50C-407E-A947-70E740481C1C}">
-                <a14:useLocalDpi xmlns:a14="http://schemas.microsoft.com/office/drawing/2010/main" val="0"/>
-              </a:ext>
-            </a:extLst>
-          </a:blip>
-          <a:srcRect l="17816" t="5650" r="17920" b="6077"/>
-          <a:stretch/>
-        </p:blipFill>
-        <p:spPr>
-          <a:xfrm>
-            <a:off x="8589515" y="751169"/>
-            <a:ext cx="3467101" cy="4762500"/>
-          </a:xfrm>
-          <a:prstGeom prst="rect">
-            <a:avLst/>
-          </a:prstGeom>
+          <a:noFill/>
+          <a:extLst>
+            <a:ext uri="{909E8E84-426E-40DD-AFC4-6F175D3DCCD1}">
+              <a14:hiddenFill xmlns:a14="http://schemas.microsoft.com/office/drawing/2010/main">
+                <a:solidFill>
+                  <a:srgbClr val="FFFFFF"/>
+                </a:solidFill>
+              </a14:hiddenFill>
+            </a:ext>
+          </a:extLst>
         </p:spPr>
       </p:pic>
     </p:spTree>
     <p:extLst>
       <p:ext uri="{BB962C8B-B14F-4D97-AF65-F5344CB8AC3E}">
-        <p14:creationId xmlns:p14="http://schemas.microsoft.com/office/powerpoint/2010/main" val="2511642888"/>
+        <p14:creationId xmlns:p14="http://schemas.microsoft.com/office/powerpoint/2010/main" val="2067909663"/>
       </p:ext>
     </p:extLst>
   </p:cSld>
@@ -7725,13 +7875,7 @@
   <p:cSld>
     <p:spTree>
       <p:nvGrpSpPr>
-        <p:cNvPr id="1" name="">
-          <a:extLst>
-            <a:ext uri="{FF2B5EF4-FFF2-40B4-BE49-F238E27FC236}">
-              <a16:creationId xmlns:a16="http://schemas.microsoft.com/office/drawing/2014/main" id="{3372B500-7D7A-0431-2A50-28CF123F68D6}"/>
-            </a:ext>
-          </a:extLst>
-        </p:cNvPr>
+        <p:cNvPr id="1" name=""/>
         <p:cNvGrpSpPr/>
         <p:nvPr/>
       </p:nvGrpSpPr>
@@ -7745,10 +7889,10 @@
       </p:grpSpPr>
       <p:pic>
         <p:nvPicPr>
-          <p:cNvPr id="3" name="Imagen 2">
-            <a:extLst>
-              <a:ext uri="{FF2B5EF4-FFF2-40B4-BE49-F238E27FC236}">
-                <a16:creationId xmlns:a16="http://schemas.microsoft.com/office/drawing/2014/main" id="{69B40978-F15C-A563-ACEE-B35CC8FF1B8F}"/>
+          <p:cNvPr id="9" name="Imagen 8">
+            <a:extLst>
+              <a:ext uri="{FF2B5EF4-FFF2-40B4-BE49-F238E27FC236}">
+                <a16:creationId xmlns:a16="http://schemas.microsoft.com/office/drawing/2014/main" id="{8BFFC124-383E-B1E3-61F3-C7EAE4BE1F22}"/>
               </a:ext>
             </a:extLst>
           </p:cNvPr>
@@ -7765,14 +7909,13 @@
               </a:ext>
             </a:extLst>
           </a:blip>
-          <a:stretch>
-            <a:fillRect/>
-          </a:stretch>
+          <a:srcRect l="5504" t="4378" r="5504" b="4378"/>
+          <a:stretch/>
         </p:blipFill>
         <p:spPr>
           <a:xfrm>
-            <a:off x="235880" y="162728"/>
-            <a:ext cx="3467100" cy="4762500"/>
+            <a:off x="4165104" y="751169"/>
+            <a:ext cx="3467101" cy="4762500"/>
           </a:xfrm>
           <a:prstGeom prst="rect">
             <a:avLst/>
@@ -7781,10 +7924,10 @@
       </p:pic>
       <p:pic>
         <p:nvPicPr>
-          <p:cNvPr id="15" name="Imagen 14">
-            <a:extLst>
-              <a:ext uri="{FF2B5EF4-FFF2-40B4-BE49-F238E27FC236}">
-                <a16:creationId xmlns:a16="http://schemas.microsoft.com/office/drawing/2014/main" id="{8C508A18-9078-CF65-FEBF-303600A95FD4}"/>
+          <p:cNvPr id="7" name="Imagen 6">
+            <a:extLst>
+              <a:ext uri="{FF2B5EF4-FFF2-40B4-BE49-F238E27FC236}">
+                <a16:creationId xmlns:a16="http://schemas.microsoft.com/office/drawing/2014/main" id="{572B9F66-15E2-7AC8-8306-C89BC3ADCA24}"/>
               </a:ext>
             </a:extLst>
           </p:cNvPr>
@@ -7801,13 +7944,13 @@
               </a:ext>
             </a:extLst>
           </a:blip>
-          <a:srcRect l="15941" t="13874" r="16546" b="4664"/>
+          <a:srcRect l="7495" t="3735" r="5906" b="5330"/>
           <a:stretch/>
         </p:blipFill>
         <p:spPr>
           <a:xfrm>
-            <a:off x="3551470" y="2072471"/>
-            <a:ext cx="3467102" cy="4762501"/>
+            <a:off x="302669" y="636368"/>
+            <a:ext cx="3467101" cy="4762500"/>
           </a:xfrm>
           <a:prstGeom prst="rect">
             <a:avLst/>
@@ -7816,10 +7959,10 @@
       </p:pic>
       <p:pic>
         <p:nvPicPr>
-          <p:cNvPr id="13" name="Imagen 12">
-            <a:extLst>
-              <a:ext uri="{FF2B5EF4-FFF2-40B4-BE49-F238E27FC236}">
-                <a16:creationId xmlns:a16="http://schemas.microsoft.com/office/drawing/2014/main" id="{D7249FBC-233C-5478-4DFC-ED11E3D6ADA5}"/>
+          <p:cNvPr id="5" name="Imagen 4">
+            <a:extLst>
+              <a:ext uri="{FF2B5EF4-FFF2-40B4-BE49-F238E27FC236}">
+                <a16:creationId xmlns:a16="http://schemas.microsoft.com/office/drawing/2014/main" id="{4E55D2EF-2D5D-9E4A-CB4A-00F30106A482}"/>
               </a:ext>
             </a:extLst>
           </p:cNvPr>
@@ -7836,48 +7979,13 @@
               </a:ext>
             </a:extLst>
           </a:blip>
-          <a:srcRect l="17276" t="6593" r="17874" b="6602"/>
+          <a:srcRect l="17816" t="5650" r="17920" b="6077"/>
           <a:stretch/>
         </p:blipFill>
         <p:spPr>
           <a:xfrm>
-            <a:off x="5772149" y="-140504"/>
+            <a:off x="8589515" y="751169"/>
             <a:ext cx="3467101" cy="4762500"/>
-          </a:xfrm>
-          <a:prstGeom prst="rect">
-            <a:avLst/>
-          </a:prstGeom>
-        </p:spPr>
-      </p:pic>
-      <p:pic>
-        <p:nvPicPr>
-          <p:cNvPr id="11" name="Imagen 10">
-            <a:extLst>
-              <a:ext uri="{FF2B5EF4-FFF2-40B4-BE49-F238E27FC236}">
-                <a16:creationId xmlns:a16="http://schemas.microsoft.com/office/drawing/2014/main" id="{AF2CA44B-5EB5-E8AC-1858-C85773989533}"/>
-              </a:ext>
-            </a:extLst>
-          </p:cNvPr>
-          <p:cNvPicPr>
-            <a:picLocks noChangeAspect="1"/>
-          </p:cNvPicPr>
-          <p:nvPr/>
-        </p:nvPicPr>
-        <p:blipFill>
-          <a:blip r:embed="rId5">
-            <a:extLst>
-              <a:ext uri="{28A0092B-C50C-407E-A947-70E740481C1C}">
-                <a14:useLocalDpi xmlns:a14="http://schemas.microsoft.com/office/drawing/2010/main" val="0"/>
-              </a:ext>
-            </a:extLst>
-          </a:blip>
-          <a:srcRect l="19100" t="9350" r="19100" b="9350"/>
-          <a:stretch/>
-        </p:blipFill>
-        <p:spPr>
-          <a:xfrm>
-            <a:off x="8600612" y="2095499"/>
-            <a:ext cx="3467101" cy="4762501"/>
           </a:xfrm>
           <a:prstGeom prst="rect">
             <a:avLst/>
@@ -7887,7 +7995,7 @@
     </p:spTree>
     <p:extLst>
       <p:ext uri="{BB962C8B-B14F-4D97-AF65-F5344CB8AC3E}">
-        <p14:creationId xmlns:p14="http://schemas.microsoft.com/office/powerpoint/2010/main" val="3559170658"/>
+        <p14:creationId xmlns:p14="http://schemas.microsoft.com/office/powerpoint/2010/main" val="2511642888"/>
       </p:ext>
     </p:extLst>
   </p:cSld>

--- a/docs/Design/estructura_proyecto.pptx
+++ b/docs/Design/estructura_proyecto.pptx
@@ -7354,7 +7354,7 @@
         </p:blipFill>
         <p:spPr>
           <a:xfrm>
-            <a:off x="6276072" y="581788"/>
+            <a:off x="6096000" y="649225"/>
             <a:ext cx="4762500" cy="4762500"/>
           </a:xfrm>
           <a:prstGeom prst="rect">
@@ -7389,7 +7389,7 @@
         </p:blipFill>
         <p:spPr>
           <a:xfrm>
-            <a:off x="618222" y="649225"/>
+            <a:off x="532497" y="534925"/>
             <a:ext cx="4762501" cy="4695063"/>
           </a:xfrm>
           <a:prstGeom prst="rect">

--- a/docs/Design/estructura_proyecto.pptx
+++ b/docs/Design/estructura_proyecto.pptx
@@ -5,7 +5,7 @@
     <p:sldMasterId id="2147483648" r:id="rId1"/>
   </p:sldMasterIdLst>
   <p:notesMasterIdLst>
-    <p:notesMasterId r:id="rId12"/>
+    <p:notesMasterId r:id="rId11"/>
   </p:notesMasterIdLst>
   <p:sldIdLst>
     <p:sldId id="262" r:id="rId2"/>
@@ -13,11 +13,10 @@
     <p:sldId id="258" r:id="rId4"/>
     <p:sldId id="259" r:id="rId5"/>
     <p:sldId id="261" r:id="rId6"/>
-    <p:sldId id="263" r:id="rId7"/>
-    <p:sldId id="267" r:id="rId8"/>
-    <p:sldId id="264" r:id="rId9"/>
-    <p:sldId id="265" r:id="rId10"/>
-    <p:sldId id="266" r:id="rId11"/>
+    <p:sldId id="267" r:id="rId7"/>
+    <p:sldId id="264" r:id="rId8"/>
+    <p:sldId id="265" r:id="rId9"/>
+    <p:sldId id="266" r:id="rId10"/>
   </p:sldIdLst>
   <p:sldSz cx="12192000" cy="6858000"/>
   <p:notesSz cx="6858000" cy="9144000"/>
@@ -137,7 +136,6 @@
         </p14:section>
         <p14:section name="CONECTIONS" id="{5B5104C0-AA8B-49E0-9AEB-A8C244AE9C7E}">
           <p14:sldIdLst>
-            <p14:sldId id="263"/>
             <p14:sldId id="267"/>
           </p14:sldIdLst>
         </p14:section>
@@ -4085,183 +4083,6 @@
 </p:sld>
 </file>
 
-<file path=ppt/slides/slide10.xml><?xml version="1.0" encoding="utf-8"?>
-<p:sld xmlns:a="http://schemas.openxmlformats.org/drawingml/2006/main" xmlns:r="http://schemas.openxmlformats.org/officeDocument/2006/relationships" xmlns:p="http://schemas.openxmlformats.org/presentationml/2006/main">
-  <p:cSld>
-    <p:spTree>
-      <p:nvGrpSpPr>
-        <p:cNvPr id="1" name="">
-          <a:extLst>
-            <a:ext uri="{FF2B5EF4-FFF2-40B4-BE49-F238E27FC236}">
-              <a16:creationId xmlns:a16="http://schemas.microsoft.com/office/drawing/2014/main" id="{3372B500-7D7A-0431-2A50-28CF123F68D6}"/>
-            </a:ext>
-          </a:extLst>
-        </p:cNvPr>
-        <p:cNvGrpSpPr/>
-        <p:nvPr/>
-      </p:nvGrpSpPr>
-      <p:grpSpPr>
-        <a:xfrm>
-          <a:off x="0" y="0"/>
-          <a:ext cx="0" cy="0"/>
-          <a:chOff x="0" y="0"/>
-          <a:chExt cx="0" cy="0"/>
-        </a:xfrm>
-      </p:grpSpPr>
-      <p:pic>
-        <p:nvPicPr>
-          <p:cNvPr id="3" name="Imagen 2">
-            <a:extLst>
-              <a:ext uri="{FF2B5EF4-FFF2-40B4-BE49-F238E27FC236}">
-                <a16:creationId xmlns:a16="http://schemas.microsoft.com/office/drawing/2014/main" id="{69B40978-F15C-A563-ACEE-B35CC8FF1B8F}"/>
-              </a:ext>
-            </a:extLst>
-          </p:cNvPr>
-          <p:cNvPicPr>
-            <a:picLocks noChangeAspect="1"/>
-          </p:cNvPicPr>
-          <p:nvPr/>
-        </p:nvPicPr>
-        <p:blipFill>
-          <a:blip r:embed="rId2">
-            <a:extLst>
-              <a:ext uri="{28A0092B-C50C-407E-A947-70E740481C1C}">
-                <a14:useLocalDpi xmlns:a14="http://schemas.microsoft.com/office/drawing/2010/main" val="0"/>
-              </a:ext>
-            </a:extLst>
-          </a:blip>
-          <a:stretch>
-            <a:fillRect/>
-          </a:stretch>
-        </p:blipFill>
-        <p:spPr>
-          <a:xfrm>
-            <a:off x="235880" y="162728"/>
-            <a:ext cx="3467100" cy="4762500"/>
-          </a:xfrm>
-          <a:prstGeom prst="rect">
-            <a:avLst/>
-          </a:prstGeom>
-        </p:spPr>
-      </p:pic>
-      <p:pic>
-        <p:nvPicPr>
-          <p:cNvPr id="15" name="Imagen 14">
-            <a:extLst>
-              <a:ext uri="{FF2B5EF4-FFF2-40B4-BE49-F238E27FC236}">
-                <a16:creationId xmlns:a16="http://schemas.microsoft.com/office/drawing/2014/main" id="{8C508A18-9078-CF65-FEBF-303600A95FD4}"/>
-              </a:ext>
-            </a:extLst>
-          </p:cNvPr>
-          <p:cNvPicPr>
-            <a:picLocks noChangeAspect="1"/>
-          </p:cNvPicPr>
-          <p:nvPr/>
-        </p:nvPicPr>
-        <p:blipFill>
-          <a:blip r:embed="rId3">
-            <a:extLst>
-              <a:ext uri="{28A0092B-C50C-407E-A947-70E740481C1C}">
-                <a14:useLocalDpi xmlns:a14="http://schemas.microsoft.com/office/drawing/2010/main" val="0"/>
-              </a:ext>
-            </a:extLst>
-          </a:blip>
-          <a:srcRect l="15941" t="13874" r="16546" b="4664"/>
-          <a:stretch/>
-        </p:blipFill>
-        <p:spPr>
-          <a:xfrm>
-            <a:off x="3551470" y="2072471"/>
-            <a:ext cx="3467102" cy="4762501"/>
-          </a:xfrm>
-          <a:prstGeom prst="rect">
-            <a:avLst/>
-          </a:prstGeom>
-        </p:spPr>
-      </p:pic>
-      <p:pic>
-        <p:nvPicPr>
-          <p:cNvPr id="13" name="Imagen 12">
-            <a:extLst>
-              <a:ext uri="{FF2B5EF4-FFF2-40B4-BE49-F238E27FC236}">
-                <a16:creationId xmlns:a16="http://schemas.microsoft.com/office/drawing/2014/main" id="{D7249FBC-233C-5478-4DFC-ED11E3D6ADA5}"/>
-              </a:ext>
-            </a:extLst>
-          </p:cNvPr>
-          <p:cNvPicPr>
-            <a:picLocks noChangeAspect="1"/>
-          </p:cNvPicPr>
-          <p:nvPr/>
-        </p:nvPicPr>
-        <p:blipFill>
-          <a:blip r:embed="rId4">
-            <a:extLst>
-              <a:ext uri="{28A0092B-C50C-407E-A947-70E740481C1C}">
-                <a14:useLocalDpi xmlns:a14="http://schemas.microsoft.com/office/drawing/2010/main" val="0"/>
-              </a:ext>
-            </a:extLst>
-          </a:blip>
-          <a:srcRect l="17276" t="6593" r="17874" b="6602"/>
-          <a:stretch/>
-        </p:blipFill>
-        <p:spPr>
-          <a:xfrm>
-            <a:off x="5772149" y="-140504"/>
-            <a:ext cx="3467101" cy="4762500"/>
-          </a:xfrm>
-          <a:prstGeom prst="rect">
-            <a:avLst/>
-          </a:prstGeom>
-        </p:spPr>
-      </p:pic>
-      <p:pic>
-        <p:nvPicPr>
-          <p:cNvPr id="11" name="Imagen 10">
-            <a:extLst>
-              <a:ext uri="{FF2B5EF4-FFF2-40B4-BE49-F238E27FC236}">
-                <a16:creationId xmlns:a16="http://schemas.microsoft.com/office/drawing/2014/main" id="{AF2CA44B-5EB5-E8AC-1858-C85773989533}"/>
-              </a:ext>
-            </a:extLst>
-          </p:cNvPr>
-          <p:cNvPicPr>
-            <a:picLocks noChangeAspect="1"/>
-          </p:cNvPicPr>
-          <p:nvPr/>
-        </p:nvPicPr>
-        <p:blipFill>
-          <a:blip r:embed="rId5">
-            <a:extLst>
-              <a:ext uri="{28A0092B-C50C-407E-A947-70E740481C1C}">
-                <a14:useLocalDpi xmlns:a14="http://schemas.microsoft.com/office/drawing/2010/main" val="0"/>
-              </a:ext>
-            </a:extLst>
-          </a:blip>
-          <a:srcRect l="19100" t="9350" r="19100" b="9350"/>
-          <a:stretch/>
-        </p:blipFill>
-        <p:spPr>
-          <a:xfrm>
-            <a:off x="8600612" y="2095499"/>
-            <a:ext cx="3467101" cy="4762501"/>
-          </a:xfrm>
-          <a:prstGeom prst="rect">
-            <a:avLst/>
-          </a:prstGeom>
-        </p:spPr>
-      </p:pic>
-    </p:spTree>
-    <p:extLst>
-      <p:ext uri="{BB962C8B-B14F-4D97-AF65-F5344CB8AC3E}">
-        <p14:creationId xmlns:p14="http://schemas.microsoft.com/office/powerpoint/2010/main" val="3559170658"/>
-      </p:ext>
-    </p:extLst>
-  </p:cSld>
-  <p:clrMapOvr>
-    <a:masterClrMapping/>
-  </p:clrMapOvr>
-</p:sld>
-</file>
-
 <file path=ppt/slides/slide2.xml><?xml version="1.0" encoding="utf-8"?>
 <p:sld xmlns:a="http://schemas.openxmlformats.org/drawingml/2006/main" xmlns:r="http://schemas.openxmlformats.org/officeDocument/2006/relationships" xmlns:p="http://schemas.openxmlformats.org/presentationml/2006/main">
   <p:cSld>
@@ -7184,131 +7005,6 @@
   <p:cSld>
     <p:spTree>
       <p:nvGrpSpPr>
-        <p:cNvPr id="1" name=""/>
-        <p:cNvGrpSpPr/>
-        <p:nvPr/>
-      </p:nvGrpSpPr>
-      <p:grpSpPr>
-        <a:xfrm>
-          <a:off x="0" y="0"/>
-          <a:ext cx="0" cy="0"/>
-          <a:chOff x="0" y="0"/>
-          <a:chExt cx="0" cy="0"/>
-        </a:xfrm>
-      </p:grpSpPr>
-      <p:pic>
-        <p:nvPicPr>
-          <p:cNvPr id="5" name="Imagen 4">
-            <a:extLst>
-              <a:ext uri="{FF2B5EF4-FFF2-40B4-BE49-F238E27FC236}">
-                <a16:creationId xmlns:a16="http://schemas.microsoft.com/office/drawing/2014/main" id="{BF0B9542-FC8F-AA51-34BC-AE8CFD9759C6}"/>
-              </a:ext>
-            </a:extLst>
-          </p:cNvPr>
-          <p:cNvPicPr>
-            <a:picLocks noChangeAspect="1"/>
-          </p:cNvPicPr>
-          <p:nvPr/>
-        </p:nvPicPr>
-        <p:blipFill>
-          <a:blip r:embed="rId2">
-            <a:extLst>
-              <a:ext uri="{28A0092B-C50C-407E-A947-70E740481C1C}">
-                <a14:useLocalDpi xmlns:a14="http://schemas.microsoft.com/office/drawing/2010/main" val="0"/>
-              </a:ext>
-            </a:extLst>
-          </a:blip>
-          <a:stretch>
-            <a:fillRect/>
-          </a:stretch>
-        </p:blipFill>
-        <p:spPr>
-          <a:xfrm>
-            <a:off x="472518" y="406728"/>
-            <a:ext cx="4762500" cy="4762500"/>
-          </a:xfrm>
-          <a:prstGeom prst="rect">
-            <a:avLst/>
-          </a:prstGeom>
-          <a:effectLst>
-            <a:glow rad="228600">
-              <a:schemeClr val="accent6">
-                <a:satMod val="175000"/>
-                <a:alpha val="40000"/>
-              </a:schemeClr>
-            </a:glow>
-          </a:effectLst>
-        </p:spPr>
-      </p:pic>
-      <p:pic>
-        <p:nvPicPr>
-          <p:cNvPr id="6" name="Imagen 5">
-            <a:extLst>
-              <a:ext uri="{FF2B5EF4-FFF2-40B4-BE49-F238E27FC236}">
-                <a16:creationId xmlns:a16="http://schemas.microsoft.com/office/drawing/2014/main" id="{6633BD53-4282-08C3-F2E6-24BF31E715E5}"/>
-              </a:ext>
-            </a:extLst>
-          </p:cNvPr>
-          <p:cNvPicPr>
-            <a:picLocks noChangeAspect="1"/>
-          </p:cNvPicPr>
-          <p:nvPr/>
-        </p:nvPicPr>
-        <p:blipFill>
-          <a:blip r:embed="rId2">
-            <a:duotone>
-              <a:prstClr val="black"/>
-              <a:schemeClr val="accent4">
-                <a:tint val="45000"/>
-                <a:satMod val="400000"/>
-              </a:schemeClr>
-            </a:duotone>
-            <a:extLst>
-              <a:ext uri="{28A0092B-C50C-407E-A947-70E740481C1C}">
-                <a14:useLocalDpi xmlns:a14="http://schemas.microsoft.com/office/drawing/2010/main" val="0"/>
-              </a:ext>
-            </a:extLst>
-          </a:blip>
-          <a:stretch>
-            <a:fillRect/>
-          </a:stretch>
-        </p:blipFill>
-        <p:spPr>
-          <a:xfrm>
-            <a:off x="6096000" y="406728"/>
-            <a:ext cx="4762500" cy="4762500"/>
-          </a:xfrm>
-          <a:prstGeom prst="rect">
-            <a:avLst/>
-          </a:prstGeom>
-          <a:effectLst>
-            <a:glow rad="228600">
-              <a:schemeClr val="accent2">
-                <a:satMod val="175000"/>
-                <a:alpha val="40000"/>
-              </a:schemeClr>
-            </a:glow>
-          </a:effectLst>
-        </p:spPr>
-      </p:pic>
-    </p:spTree>
-    <p:extLst>
-      <p:ext uri="{BB962C8B-B14F-4D97-AF65-F5344CB8AC3E}">
-        <p14:creationId xmlns:p14="http://schemas.microsoft.com/office/powerpoint/2010/main" val="19970568"/>
-      </p:ext>
-    </p:extLst>
-  </p:cSld>
-  <p:clrMapOvr>
-    <a:masterClrMapping/>
-  </p:clrMapOvr>
-</p:sld>
-</file>
-
-<file path=ppt/slides/slide7.xml><?xml version="1.0" encoding="utf-8"?>
-<p:sld xmlns:a="http://schemas.openxmlformats.org/drawingml/2006/main" xmlns:r="http://schemas.openxmlformats.org/officeDocument/2006/relationships" xmlns:p="http://schemas.openxmlformats.org/presentationml/2006/main">
-  <p:cSld>
-    <p:spTree>
-      <p:nvGrpSpPr>
         <p:cNvPr id="1" name="">
           <a:extLst>
             <a:ext uri="{FF2B5EF4-FFF2-40B4-BE49-F238E27FC236}">
@@ -7329,10 +7025,10 @@
       </p:grpSpPr>
       <p:pic>
         <p:nvPicPr>
-          <p:cNvPr id="3" name="Imagen 2">
-            <a:extLst>
-              <a:ext uri="{FF2B5EF4-FFF2-40B4-BE49-F238E27FC236}">
-                <a16:creationId xmlns:a16="http://schemas.microsoft.com/office/drawing/2014/main" id="{4C10E895-41F1-937E-2861-8988AB1B789B}"/>
+          <p:cNvPr id="4" name="Imagen 3">
+            <a:extLst>
+              <a:ext uri="{FF2B5EF4-FFF2-40B4-BE49-F238E27FC236}">
+                <a16:creationId xmlns:a16="http://schemas.microsoft.com/office/drawing/2014/main" id="{F4C6208A-D25C-3496-4BD9-102478F82048}"/>
               </a:ext>
             </a:extLst>
           </p:cNvPr>
@@ -7349,13 +7045,13 @@
               </a:ext>
             </a:extLst>
           </a:blip>
-          <a:srcRect l="26431" t="9481" r="27029" b="9803"/>
+          <a:srcRect l="9763" t="8758" r="7781" b="6659"/>
           <a:stretch/>
         </p:blipFill>
         <p:spPr>
           <a:xfrm>
-            <a:off x="6096000" y="649225"/>
-            <a:ext cx="4762500" cy="4762500"/>
+            <a:off x="6292852" y="1146175"/>
+            <a:ext cx="4338320" cy="4387850"/>
           </a:xfrm>
           <a:prstGeom prst="rect">
             <a:avLst/>
@@ -7364,10 +7060,10 @@
       </p:pic>
       <p:pic>
         <p:nvPicPr>
-          <p:cNvPr id="7" name="Imagen 6">
-            <a:extLst>
-              <a:ext uri="{FF2B5EF4-FFF2-40B4-BE49-F238E27FC236}">
-                <a16:creationId xmlns:a16="http://schemas.microsoft.com/office/drawing/2014/main" id="{462FF842-AFB2-16E6-F8EC-B8468231D108}"/>
+          <p:cNvPr id="3" name="Imagen 2">
+            <a:extLst>
+              <a:ext uri="{FF2B5EF4-FFF2-40B4-BE49-F238E27FC236}">
+                <a16:creationId xmlns:a16="http://schemas.microsoft.com/office/drawing/2014/main" id="{4C10E895-41F1-937E-2861-8988AB1B789B}"/>
               </a:ext>
             </a:extLst>
           </p:cNvPr>
@@ -7384,13 +7080,13 @@
               </a:ext>
             </a:extLst>
           </a:blip>
-          <a:srcRect l="26204" t="9420" r="27159" b="10569"/>
+          <a:srcRect l="30939" t="15453" r="30138" b="16271"/>
           <a:stretch/>
         </p:blipFill>
         <p:spPr>
           <a:xfrm>
-            <a:off x="532497" y="534925"/>
-            <a:ext cx="4762501" cy="4695063"/>
+            <a:off x="1129030" y="1146175"/>
+            <a:ext cx="4338320" cy="4387850"/>
           </a:xfrm>
           <a:prstGeom prst="rect">
             <a:avLst/>
@@ -7401,6 +7097,466 @@
     <p:extLst>
       <p:ext uri="{BB962C8B-B14F-4D97-AF65-F5344CB8AC3E}">
         <p14:creationId xmlns:p14="http://schemas.microsoft.com/office/powerpoint/2010/main" val="3836481844"/>
+      </p:ext>
+    </p:extLst>
+  </p:cSld>
+  <p:clrMapOvr>
+    <a:masterClrMapping/>
+  </p:clrMapOvr>
+</p:sld>
+</file>
+
+<file path=ppt/slides/slide7.xml><?xml version="1.0" encoding="utf-8"?>
+<p:sld xmlns:a="http://schemas.openxmlformats.org/drawingml/2006/main" xmlns:r="http://schemas.openxmlformats.org/officeDocument/2006/relationships" xmlns:p="http://schemas.openxmlformats.org/presentationml/2006/main">
+  <p:cSld>
+    <p:spTree>
+      <p:nvGrpSpPr>
+        <p:cNvPr id="1" name=""/>
+        <p:cNvGrpSpPr/>
+        <p:nvPr/>
+      </p:nvGrpSpPr>
+      <p:grpSpPr>
+        <a:xfrm>
+          <a:off x="0" y="0"/>
+          <a:ext cx="0" cy="0"/>
+          <a:chOff x="0" y="0"/>
+          <a:chExt cx="0" cy="0"/>
+        </a:xfrm>
+      </p:grpSpPr>
+      <p:sp>
+        <p:nvSpPr>
+          <p:cNvPr id="2" name="Rectángulo 1">
+            <a:extLst>
+              <a:ext uri="{FF2B5EF4-FFF2-40B4-BE49-F238E27FC236}">
+                <a16:creationId xmlns:a16="http://schemas.microsoft.com/office/drawing/2014/main" id="{AD36170F-5FA1-F595-7EE4-ED339083B7CF}"/>
+              </a:ext>
+            </a:extLst>
+          </p:cNvPr>
+          <p:cNvSpPr/>
+          <p:nvPr/>
+        </p:nvSpPr>
+        <p:spPr>
+          <a:xfrm>
+            <a:off x="285750" y="257174"/>
+            <a:ext cx="1333500" cy="390525"/>
+          </a:xfrm>
+          <a:prstGeom prst="rect">
+            <a:avLst/>
+          </a:prstGeom>
+          <a:solidFill>
+            <a:srgbClr val="01244A"/>
+          </a:solidFill>
+        </p:spPr>
+        <p:style>
+          <a:lnRef idx="2">
+            <a:schemeClr val="accent1">
+              <a:shade val="15000"/>
+            </a:schemeClr>
+          </a:lnRef>
+          <a:fillRef idx="1">
+            <a:schemeClr val="accent1"/>
+          </a:fillRef>
+          <a:effectRef idx="0">
+            <a:schemeClr val="accent1"/>
+          </a:effectRef>
+          <a:fontRef idx="minor">
+            <a:schemeClr val="lt1"/>
+          </a:fontRef>
+        </p:style>
+        <p:txBody>
+          <a:bodyPr rtlCol="0" anchor="ctr"/>
+          <a:lstStyle/>
+          <a:p>
+            <a:pPr algn="ctr"/>
+            <a:endParaRPr lang="es-CO"/>
+          </a:p>
+        </p:txBody>
+      </p:sp>
+      <p:sp>
+        <p:nvSpPr>
+          <p:cNvPr id="3" name="CuadroTexto 2">
+            <a:extLst>
+              <a:ext uri="{FF2B5EF4-FFF2-40B4-BE49-F238E27FC236}">
+                <a16:creationId xmlns:a16="http://schemas.microsoft.com/office/drawing/2014/main" id="{89C4CF23-E0BF-6251-7B41-B7E0945A309A}"/>
+              </a:ext>
+            </a:extLst>
+          </p:cNvPr>
+          <p:cNvSpPr txBox="1"/>
+          <p:nvPr/>
+        </p:nvSpPr>
+        <p:spPr>
+          <a:xfrm>
+            <a:off x="443386" y="257174"/>
+            <a:ext cx="1018227" cy="369332"/>
+          </a:xfrm>
+          <a:prstGeom prst="rect">
+            <a:avLst/>
+          </a:prstGeom>
+          <a:noFill/>
+        </p:spPr>
+        <p:txBody>
+          <a:bodyPr wrap="none" rtlCol="0">
+            <a:spAutoFit/>
+          </a:bodyPr>
+          <a:lstStyle/>
+          <a:p>
+            <a:r>
+              <a:rPr lang="es-CO" dirty="0">
+                <a:solidFill>
+                  <a:schemeClr val="bg1"/>
+                </a:solidFill>
+              </a:rPr>
+              <a:t>#01244A</a:t>
+            </a:r>
+          </a:p>
+        </p:txBody>
+      </p:sp>
+      <p:sp>
+        <p:nvSpPr>
+          <p:cNvPr id="4" name="Rectángulo 3">
+            <a:extLst>
+              <a:ext uri="{FF2B5EF4-FFF2-40B4-BE49-F238E27FC236}">
+                <a16:creationId xmlns:a16="http://schemas.microsoft.com/office/drawing/2014/main" id="{CC0DA703-01C6-BC66-5F53-3C59B57A84A7}"/>
+              </a:ext>
+            </a:extLst>
+          </p:cNvPr>
+          <p:cNvSpPr/>
+          <p:nvPr/>
+        </p:nvSpPr>
+        <p:spPr>
+          <a:xfrm>
+            <a:off x="2009775" y="257174"/>
+            <a:ext cx="1333500" cy="390525"/>
+          </a:xfrm>
+          <a:prstGeom prst="rect">
+            <a:avLst/>
+          </a:prstGeom>
+          <a:solidFill>
+            <a:srgbClr val="1F4E79"/>
+          </a:solidFill>
+        </p:spPr>
+        <p:style>
+          <a:lnRef idx="2">
+            <a:schemeClr val="accent1">
+              <a:shade val="15000"/>
+            </a:schemeClr>
+          </a:lnRef>
+          <a:fillRef idx="1">
+            <a:schemeClr val="accent1"/>
+          </a:fillRef>
+          <a:effectRef idx="0">
+            <a:schemeClr val="accent1"/>
+          </a:effectRef>
+          <a:fontRef idx="minor">
+            <a:schemeClr val="lt1"/>
+          </a:fontRef>
+        </p:style>
+        <p:txBody>
+          <a:bodyPr rtlCol="0" anchor="ctr"/>
+          <a:lstStyle/>
+          <a:p>
+            <a:pPr algn="ctr"/>
+            <a:endParaRPr lang="es-CO"/>
+          </a:p>
+        </p:txBody>
+      </p:sp>
+      <p:sp>
+        <p:nvSpPr>
+          <p:cNvPr id="5" name="CuadroTexto 4">
+            <a:extLst>
+              <a:ext uri="{FF2B5EF4-FFF2-40B4-BE49-F238E27FC236}">
+                <a16:creationId xmlns:a16="http://schemas.microsoft.com/office/drawing/2014/main" id="{9A4EF576-6E5A-D07A-84D9-B65298CA5B09}"/>
+              </a:ext>
+            </a:extLst>
+          </p:cNvPr>
+          <p:cNvSpPr txBox="1"/>
+          <p:nvPr/>
+        </p:nvSpPr>
+        <p:spPr>
+          <a:xfrm>
+            <a:off x="2167411" y="278367"/>
+            <a:ext cx="1018227" cy="369332"/>
+          </a:xfrm>
+          <a:prstGeom prst="rect">
+            <a:avLst/>
+          </a:prstGeom>
+          <a:noFill/>
+        </p:spPr>
+        <p:txBody>
+          <a:bodyPr wrap="none" rtlCol="0">
+            <a:spAutoFit/>
+          </a:bodyPr>
+          <a:lstStyle/>
+          <a:p>
+            <a:r>
+              <a:rPr lang="es-CO" dirty="0">
+                <a:solidFill>
+                  <a:schemeClr val="bg1"/>
+                </a:solidFill>
+              </a:rPr>
+              <a:t>#1F4E79</a:t>
+            </a:r>
+          </a:p>
+        </p:txBody>
+      </p:sp>
+      <p:sp>
+        <p:nvSpPr>
+          <p:cNvPr id="6" name="Rectángulo 5">
+            <a:extLst>
+              <a:ext uri="{FF2B5EF4-FFF2-40B4-BE49-F238E27FC236}">
+                <a16:creationId xmlns:a16="http://schemas.microsoft.com/office/drawing/2014/main" id="{989B1425-3CFE-416D-9C96-24883DDC8AB9}"/>
+              </a:ext>
+            </a:extLst>
+          </p:cNvPr>
+          <p:cNvSpPr/>
+          <p:nvPr/>
+        </p:nvSpPr>
+        <p:spPr>
+          <a:xfrm>
+            <a:off x="318613" y="952499"/>
+            <a:ext cx="1333500" cy="390525"/>
+          </a:xfrm>
+          <a:prstGeom prst="rect">
+            <a:avLst/>
+          </a:prstGeom>
+          <a:solidFill>
+            <a:srgbClr val="01244A"/>
+          </a:solidFill>
+        </p:spPr>
+        <p:style>
+          <a:lnRef idx="2">
+            <a:schemeClr val="accent1">
+              <a:shade val="15000"/>
+            </a:schemeClr>
+          </a:lnRef>
+          <a:fillRef idx="1">
+            <a:schemeClr val="accent1"/>
+          </a:fillRef>
+          <a:effectRef idx="0">
+            <a:schemeClr val="accent1"/>
+          </a:effectRef>
+          <a:fontRef idx="minor">
+            <a:schemeClr val="lt1"/>
+          </a:fontRef>
+        </p:style>
+        <p:txBody>
+          <a:bodyPr rtlCol="0" anchor="ctr"/>
+          <a:lstStyle/>
+          <a:p>
+            <a:pPr algn="ctr"/>
+            <a:endParaRPr lang="es-CO"/>
+          </a:p>
+        </p:txBody>
+      </p:sp>
+      <p:sp>
+        <p:nvSpPr>
+          <p:cNvPr id="7" name="CuadroTexto 6">
+            <a:extLst>
+              <a:ext uri="{FF2B5EF4-FFF2-40B4-BE49-F238E27FC236}">
+                <a16:creationId xmlns:a16="http://schemas.microsoft.com/office/drawing/2014/main" id="{03F67381-32F6-D9AC-5265-A8DE6F5F2D95}"/>
+              </a:ext>
+            </a:extLst>
+          </p:cNvPr>
+          <p:cNvSpPr txBox="1"/>
+          <p:nvPr/>
+        </p:nvSpPr>
+        <p:spPr>
+          <a:xfrm>
+            <a:off x="443385" y="964642"/>
+            <a:ext cx="1018227" cy="369332"/>
+          </a:xfrm>
+          <a:prstGeom prst="rect">
+            <a:avLst/>
+          </a:prstGeom>
+          <a:noFill/>
+        </p:spPr>
+        <p:txBody>
+          <a:bodyPr wrap="none" rtlCol="0">
+            <a:spAutoFit/>
+          </a:bodyPr>
+          <a:lstStyle/>
+          <a:p>
+            <a:r>
+              <a:rPr lang="es-CO" dirty="0">
+                <a:solidFill>
+                  <a:srgbClr val="5597D3"/>
+                </a:solidFill>
+              </a:rPr>
+              <a:t>#5597D3</a:t>
+            </a:r>
+          </a:p>
+        </p:txBody>
+      </p:sp>
+      <p:sp>
+        <p:nvSpPr>
+          <p:cNvPr id="8" name="CuadroTexto 7">
+            <a:extLst>
+              <a:ext uri="{FF2B5EF4-FFF2-40B4-BE49-F238E27FC236}">
+                <a16:creationId xmlns:a16="http://schemas.microsoft.com/office/drawing/2014/main" id="{C3A41CC0-CE4F-556F-691D-A523678690A1}"/>
+              </a:ext>
+            </a:extLst>
+          </p:cNvPr>
+          <p:cNvSpPr txBox="1"/>
+          <p:nvPr/>
+        </p:nvSpPr>
+        <p:spPr>
+          <a:xfrm>
+            <a:off x="1658297" y="973692"/>
+            <a:ext cx="434286" cy="369332"/>
+          </a:xfrm>
+          <a:prstGeom prst="rect">
+            <a:avLst/>
+          </a:prstGeom>
+          <a:noFill/>
+        </p:spPr>
+        <p:txBody>
+          <a:bodyPr wrap="none" rtlCol="0">
+            <a:spAutoFit/>
+          </a:bodyPr>
+          <a:lstStyle/>
+          <a:p>
+            <a:r>
+              <a:rPr lang="es-CO" dirty="0"/>
+              <a:t>FG</a:t>
+            </a:r>
+          </a:p>
+        </p:txBody>
+      </p:sp>
+      <p:sp>
+        <p:nvSpPr>
+          <p:cNvPr id="9" name="CuadroTexto 8">
+            <a:extLst>
+              <a:ext uri="{FF2B5EF4-FFF2-40B4-BE49-F238E27FC236}">
+                <a16:creationId xmlns:a16="http://schemas.microsoft.com/office/drawing/2014/main" id="{66BEFCC0-8C83-5C99-AD63-776CE7037CE0}"/>
+              </a:ext>
+            </a:extLst>
+          </p:cNvPr>
+          <p:cNvSpPr txBox="1"/>
+          <p:nvPr/>
+        </p:nvSpPr>
+        <p:spPr>
+          <a:xfrm>
+            <a:off x="3343274" y="257174"/>
+            <a:ext cx="455574" cy="369332"/>
+          </a:xfrm>
+          <a:prstGeom prst="rect">
+            <a:avLst/>
+          </a:prstGeom>
+          <a:noFill/>
+        </p:spPr>
+        <p:txBody>
+          <a:bodyPr wrap="none" rtlCol="0">
+            <a:spAutoFit/>
+          </a:bodyPr>
+          <a:lstStyle/>
+          <a:p>
+            <a:r>
+              <a:rPr lang="es-CO" dirty="0"/>
+              <a:t>BG</a:t>
+            </a:r>
+          </a:p>
+        </p:txBody>
+      </p:sp>
+      <p:sp>
+        <p:nvSpPr>
+          <p:cNvPr id="10" name="CuadroTexto 9">
+            <a:extLst>
+              <a:ext uri="{FF2B5EF4-FFF2-40B4-BE49-F238E27FC236}">
+                <a16:creationId xmlns:a16="http://schemas.microsoft.com/office/drawing/2014/main" id="{11D64C05-6F72-4F65-6E32-1DA0550CA712}"/>
+              </a:ext>
+            </a:extLst>
+          </p:cNvPr>
+          <p:cNvSpPr txBox="1"/>
+          <p:nvPr/>
+        </p:nvSpPr>
+        <p:spPr>
+          <a:xfrm>
+            <a:off x="1586726" y="278367"/>
+            <a:ext cx="455574" cy="369332"/>
+          </a:xfrm>
+          <a:prstGeom prst="rect">
+            <a:avLst/>
+          </a:prstGeom>
+          <a:noFill/>
+        </p:spPr>
+        <p:txBody>
+          <a:bodyPr wrap="none" rtlCol="0">
+            <a:spAutoFit/>
+          </a:bodyPr>
+          <a:lstStyle/>
+          <a:p>
+            <a:r>
+              <a:rPr lang="es-CO" dirty="0"/>
+              <a:t>BG</a:t>
+            </a:r>
+          </a:p>
+        </p:txBody>
+      </p:sp>
+      <p:pic>
+        <p:nvPicPr>
+          <p:cNvPr id="1026" name="Picture 2" descr="Icono de color de sombra larga de diseño plano de punta de flecha naranja  hacia la">
+            <a:extLst>
+              <a:ext uri="{FF2B5EF4-FFF2-40B4-BE49-F238E27FC236}">
+                <a16:creationId xmlns:a16="http://schemas.microsoft.com/office/drawing/2014/main" id="{3419306B-D77D-15B8-6257-D43FF0D172C5}"/>
+              </a:ext>
+            </a:extLst>
+          </p:cNvPr>
+          <p:cNvPicPr>
+            <a:picLocks noChangeAspect="1" noChangeArrowheads="1"/>
+          </p:cNvPicPr>
+          <p:nvPr/>
+        </p:nvPicPr>
+        <p:blipFill rotWithShape="1">
+          <a:blip r:embed="rId2">
+            <a:duotone>
+              <a:prstClr val="black"/>
+              <a:srgbClr val="5597D3">
+                <a:tint val="45000"/>
+                <a:satMod val="400000"/>
+              </a:srgbClr>
+            </a:duotone>
+            <a:extLst>
+              <a:ext uri="{BEBA8EAE-BF5A-486C-A8C5-ECC9F3942E4B}">
+                <a14:imgProps xmlns:a14="http://schemas.microsoft.com/office/drawing/2010/main">
+                  <a14:imgLayer r:embed="rId3">
+                    <a14:imgEffect>
+                      <a14:backgroundRemoval t="10000" b="90000" l="10000" r="90000"/>
+                    </a14:imgEffect>
+                  </a14:imgLayer>
+                </a14:imgProps>
+              </a:ext>
+              <a:ext uri="{28A0092B-C50C-407E-A947-70E740481C1C}">
+                <a14:useLocalDpi xmlns:a14="http://schemas.microsoft.com/office/drawing/2010/main" val="0"/>
+              </a:ext>
+            </a:extLst>
+          </a:blip>
+          <a:srcRect l="20785" t="13214" r="23500" b="11786"/>
+          <a:stretch/>
+        </p:blipFill>
+        <p:spPr bwMode="auto">
+          <a:xfrm>
+            <a:off x="609600" y="2797968"/>
+            <a:ext cx="371476" cy="631032"/>
+          </a:xfrm>
+          <a:prstGeom prst="rect">
+            <a:avLst/>
+          </a:prstGeom>
+          <a:noFill/>
+          <a:extLst>
+            <a:ext uri="{909E8E84-426E-40DD-AFC4-6F175D3DCCD1}">
+              <a14:hiddenFill xmlns:a14="http://schemas.microsoft.com/office/drawing/2010/main">
+                <a:solidFill>
+                  <a:srgbClr val="FFFFFF"/>
+                </a:solidFill>
+              </a14:hiddenFill>
+            </a:ext>
+          </a:extLst>
+        </p:spPr>
+      </p:pic>
+    </p:spTree>
+    <p:extLst>
+      <p:ext uri="{BB962C8B-B14F-4D97-AF65-F5344CB8AC3E}">
+        <p14:creationId xmlns:p14="http://schemas.microsoft.com/office/powerpoint/2010/main" val="2067909663"/>
       </p:ext>
     </p:extLst>
   </p:cSld>
@@ -7427,440 +7583,115 @@
           <a:chExt cx="0" cy="0"/>
         </a:xfrm>
       </p:grpSpPr>
-      <p:sp>
-        <p:nvSpPr>
-          <p:cNvPr id="2" name="Rectángulo 1">
-            <a:extLst>
-              <a:ext uri="{FF2B5EF4-FFF2-40B4-BE49-F238E27FC236}">
-                <a16:creationId xmlns:a16="http://schemas.microsoft.com/office/drawing/2014/main" id="{AD36170F-5FA1-F595-7EE4-ED339083B7CF}"/>
-              </a:ext>
-            </a:extLst>
-          </p:cNvPr>
-          <p:cNvSpPr/>
+      <p:pic>
+        <p:nvPicPr>
+          <p:cNvPr id="9" name="Imagen 8">
+            <a:extLst>
+              <a:ext uri="{FF2B5EF4-FFF2-40B4-BE49-F238E27FC236}">
+                <a16:creationId xmlns:a16="http://schemas.microsoft.com/office/drawing/2014/main" id="{8BFFC124-383E-B1E3-61F3-C7EAE4BE1F22}"/>
+              </a:ext>
+            </a:extLst>
+          </p:cNvPr>
+          <p:cNvPicPr>
+            <a:picLocks noChangeAspect="1"/>
+          </p:cNvPicPr>
           <p:nvPr/>
-        </p:nvSpPr>
-        <p:spPr>
-          <a:xfrm>
-            <a:off x="285750" y="257174"/>
-            <a:ext cx="1333500" cy="390525"/>
+        </p:nvPicPr>
+        <p:blipFill>
+          <a:blip r:embed="rId2">
+            <a:extLst>
+              <a:ext uri="{28A0092B-C50C-407E-A947-70E740481C1C}">
+                <a14:useLocalDpi xmlns:a14="http://schemas.microsoft.com/office/drawing/2010/main" val="0"/>
+              </a:ext>
+            </a:extLst>
+          </a:blip>
+          <a:srcRect l="5504" t="4378" r="5504" b="4378"/>
+          <a:stretch/>
+        </p:blipFill>
+        <p:spPr>
+          <a:xfrm>
+            <a:off x="4165104" y="751169"/>
+            <a:ext cx="3467101" cy="4762500"/>
           </a:xfrm>
           <a:prstGeom prst="rect">
             <a:avLst/>
           </a:prstGeom>
-          <a:solidFill>
-            <a:srgbClr val="01244A"/>
-          </a:solidFill>
-        </p:spPr>
-        <p:style>
-          <a:lnRef idx="2">
-            <a:schemeClr val="accent1">
-              <a:shade val="15000"/>
-            </a:schemeClr>
-          </a:lnRef>
-          <a:fillRef idx="1">
-            <a:schemeClr val="accent1"/>
-          </a:fillRef>
-          <a:effectRef idx="0">
-            <a:schemeClr val="accent1"/>
-          </a:effectRef>
-          <a:fontRef idx="minor">
-            <a:schemeClr val="lt1"/>
-          </a:fontRef>
-        </p:style>
-        <p:txBody>
-          <a:bodyPr rtlCol="0" anchor="ctr"/>
-          <a:lstStyle/>
-          <a:p>
-            <a:pPr algn="ctr"/>
-            <a:endParaRPr lang="es-CO"/>
-          </a:p>
-        </p:txBody>
-      </p:sp>
-      <p:sp>
-        <p:nvSpPr>
-          <p:cNvPr id="3" name="CuadroTexto 2">
-            <a:extLst>
-              <a:ext uri="{FF2B5EF4-FFF2-40B4-BE49-F238E27FC236}">
-                <a16:creationId xmlns:a16="http://schemas.microsoft.com/office/drawing/2014/main" id="{89C4CF23-E0BF-6251-7B41-B7E0945A309A}"/>
-              </a:ext>
-            </a:extLst>
-          </p:cNvPr>
-          <p:cNvSpPr txBox="1"/>
+        </p:spPr>
+      </p:pic>
+      <p:pic>
+        <p:nvPicPr>
+          <p:cNvPr id="7" name="Imagen 6">
+            <a:extLst>
+              <a:ext uri="{FF2B5EF4-FFF2-40B4-BE49-F238E27FC236}">
+                <a16:creationId xmlns:a16="http://schemas.microsoft.com/office/drawing/2014/main" id="{572B9F66-15E2-7AC8-8306-C89BC3ADCA24}"/>
+              </a:ext>
+            </a:extLst>
+          </p:cNvPr>
+          <p:cNvPicPr>
+            <a:picLocks noChangeAspect="1"/>
+          </p:cNvPicPr>
           <p:nvPr/>
-        </p:nvSpPr>
-        <p:spPr>
-          <a:xfrm>
-            <a:off x="443386" y="257174"/>
-            <a:ext cx="1018227" cy="369332"/>
+        </p:nvPicPr>
+        <p:blipFill>
+          <a:blip r:embed="rId3">
+            <a:extLst>
+              <a:ext uri="{28A0092B-C50C-407E-A947-70E740481C1C}">
+                <a14:useLocalDpi xmlns:a14="http://schemas.microsoft.com/office/drawing/2010/main" val="0"/>
+              </a:ext>
+            </a:extLst>
+          </a:blip>
+          <a:srcRect l="7495" t="3735" r="5906" b="5330"/>
+          <a:stretch/>
+        </p:blipFill>
+        <p:spPr>
+          <a:xfrm>
+            <a:off x="302669" y="636368"/>
+            <a:ext cx="3467101" cy="4762500"/>
           </a:xfrm>
           <a:prstGeom prst="rect">
             <a:avLst/>
           </a:prstGeom>
-          <a:noFill/>
-        </p:spPr>
-        <p:txBody>
-          <a:bodyPr wrap="none" rtlCol="0">
-            <a:spAutoFit/>
-          </a:bodyPr>
-          <a:lstStyle/>
-          <a:p>
-            <a:r>
-              <a:rPr lang="es-CO" dirty="0">
-                <a:solidFill>
-                  <a:schemeClr val="bg1"/>
-                </a:solidFill>
-              </a:rPr>
-              <a:t>#01244A</a:t>
-            </a:r>
-          </a:p>
-        </p:txBody>
-      </p:sp>
-      <p:sp>
-        <p:nvSpPr>
-          <p:cNvPr id="4" name="Rectángulo 3">
-            <a:extLst>
-              <a:ext uri="{FF2B5EF4-FFF2-40B4-BE49-F238E27FC236}">
-                <a16:creationId xmlns:a16="http://schemas.microsoft.com/office/drawing/2014/main" id="{CC0DA703-01C6-BC66-5F53-3C59B57A84A7}"/>
-              </a:ext>
-            </a:extLst>
-          </p:cNvPr>
-          <p:cNvSpPr/>
+        </p:spPr>
+      </p:pic>
+      <p:pic>
+        <p:nvPicPr>
+          <p:cNvPr id="5" name="Imagen 4">
+            <a:extLst>
+              <a:ext uri="{FF2B5EF4-FFF2-40B4-BE49-F238E27FC236}">
+                <a16:creationId xmlns:a16="http://schemas.microsoft.com/office/drawing/2014/main" id="{4E55D2EF-2D5D-9E4A-CB4A-00F30106A482}"/>
+              </a:ext>
+            </a:extLst>
+          </p:cNvPr>
+          <p:cNvPicPr>
+            <a:picLocks noChangeAspect="1"/>
+          </p:cNvPicPr>
           <p:nvPr/>
-        </p:nvSpPr>
-        <p:spPr>
-          <a:xfrm>
-            <a:off x="2009775" y="257174"/>
-            <a:ext cx="1333500" cy="390525"/>
+        </p:nvPicPr>
+        <p:blipFill>
+          <a:blip r:embed="rId4">
+            <a:extLst>
+              <a:ext uri="{28A0092B-C50C-407E-A947-70E740481C1C}">
+                <a14:useLocalDpi xmlns:a14="http://schemas.microsoft.com/office/drawing/2010/main" val="0"/>
+              </a:ext>
+            </a:extLst>
+          </a:blip>
+          <a:srcRect l="17816" t="5650" r="17920" b="6077"/>
+          <a:stretch/>
+        </p:blipFill>
+        <p:spPr>
+          <a:xfrm>
+            <a:off x="8589515" y="751169"/>
+            <a:ext cx="3467101" cy="4762500"/>
           </a:xfrm>
           <a:prstGeom prst="rect">
             <a:avLst/>
           </a:prstGeom>
-          <a:solidFill>
-            <a:srgbClr val="1F4E79"/>
-          </a:solidFill>
-        </p:spPr>
-        <p:style>
-          <a:lnRef idx="2">
-            <a:schemeClr val="accent1">
-              <a:shade val="15000"/>
-            </a:schemeClr>
-          </a:lnRef>
-          <a:fillRef idx="1">
-            <a:schemeClr val="accent1"/>
-          </a:fillRef>
-          <a:effectRef idx="0">
-            <a:schemeClr val="accent1"/>
-          </a:effectRef>
-          <a:fontRef idx="minor">
-            <a:schemeClr val="lt1"/>
-          </a:fontRef>
-        </p:style>
-        <p:txBody>
-          <a:bodyPr rtlCol="0" anchor="ctr"/>
-          <a:lstStyle/>
-          <a:p>
-            <a:pPr algn="ctr"/>
-            <a:endParaRPr lang="es-CO"/>
-          </a:p>
-        </p:txBody>
-      </p:sp>
-      <p:sp>
-        <p:nvSpPr>
-          <p:cNvPr id="5" name="CuadroTexto 4">
-            <a:extLst>
-              <a:ext uri="{FF2B5EF4-FFF2-40B4-BE49-F238E27FC236}">
-                <a16:creationId xmlns:a16="http://schemas.microsoft.com/office/drawing/2014/main" id="{9A4EF576-6E5A-D07A-84D9-B65298CA5B09}"/>
-              </a:ext>
-            </a:extLst>
-          </p:cNvPr>
-          <p:cNvSpPr txBox="1"/>
-          <p:nvPr/>
-        </p:nvSpPr>
-        <p:spPr>
-          <a:xfrm>
-            <a:off x="2167411" y="278367"/>
-            <a:ext cx="1018227" cy="369332"/>
-          </a:xfrm>
-          <a:prstGeom prst="rect">
-            <a:avLst/>
-          </a:prstGeom>
-          <a:noFill/>
-        </p:spPr>
-        <p:txBody>
-          <a:bodyPr wrap="none" rtlCol="0">
-            <a:spAutoFit/>
-          </a:bodyPr>
-          <a:lstStyle/>
-          <a:p>
-            <a:r>
-              <a:rPr lang="es-CO" dirty="0">
-                <a:solidFill>
-                  <a:schemeClr val="bg1"/>
-                </a:solidFill>
-              </a:rPr>
-              <a:t>#1F4E79</a:t>
-            </a:r>
-          </a:p>
-        </p:txBody>
-      </p:sp>
-      <p:sp>
-        <p:nvSpPr>
-          <p:cNvPr id="6" name="Rectángulo 5">
-            <a:extLst>
-              <a:ext uri="{FF2B5EF4-FFF2-40B4-BE49-F238E27FC236}">
-                <a16:creationId xmlns:a16="http://schemas.microsoft.com/office/drawing/2014/main" id="{989B1425-3CFE-416D-9C96-24883DDC8AB9}"/>
-              </a:ext>
-            </a:extLst>
-          </p:cNvPr>
-          <p:cNvSpPr/>
-          <p:nvPr/>
-        </p:nvSpPr>
-        <p:spPr>
-          <a:xfrm>
-            <a:off x="318613" y="952499"/>
-            <a:ext cx="1333500" cy="390525"/>
-          </a:xfrm>
-          <a:prstGeom prst="rect">
-            <a:avLst/>
-          </a:prstGeom>
-          <a:solidFill>
-            <a:srgbClr val="01244A"/>
-          </a:solidFill>
-        </p:spPr>
-        <p:style>
-          <a:lnRef idx="2">
-            <a:schemeClr val="accent1">
-              <a:shade val="15000"/>
-            </a:schemeClr>
-          </a:lnRef>
-          <a:fillRef idx="1">
-            <a:schemeClr val="accent1"/>
-          </a:fillRef>
-          <a:effectRef idx="0">
-            <a:schemeClr val="accent1"/>
-          </a:effectRef>
-          <a:fontRef idx="minor">
-            <a:schemeClr val="lt1"/>
-          </a:fontRef>
-        </p:style>
-        <p:txBody>
-          <a:bodyPr rtlCol="0" anchor="ctr"/>
-          <a:lstStyle/>
-          <a:p>
-            <a:pPr algn="ctr"/>
-            <a:endParaRPr lang="es-CO"/>
-          </a:p>
-        </p:txBody>
-      </p:sp>
-      <p:sp>
-        <p:nvSpPr>
-          <p:cNvPr id="7" name="CuadroTexto 6">
-            <a:extLst>
-              <a:ext uri="{FF2B5EF4-FFF2-40B4-BE49-F238E27FC236}">
-                <a16:creationId xmlns:a16="http://schemas.microsoft.com/office/drawing/2014/main" id="{03F67381-32F6-D9AC-5265-A8DE6F5F2D95}"/>
-              </a:ext>
-            </a:extLst>
-          </p:cNvPr>
-          <p:cNvSpPr txBox="1"/>
-          <p:nvPr/>
-        </p:nvSpPr>
-        <p:spPr>
-          <a:xfrm>
-            <a:off x="443385" y="964642"/>
-            <a:ext cx="1018227" cy="369332"/>
-          </a:xfrm>
-          <a:prstGeom prst="rect">
-            <a:avLst/>
-          </a:prstGeom>
-          <a:noFill/>
-        </p:spPr>
-        <p:txBody>
-          <a:bodyPr wrap="none" rtlCol="0">
-            <a:spAutoFit/>
-          </a:bodyPr>
-          <a:lstStyle/>
-          <a:p>
-            <a:r>
-              <a:rPr lang="es-CO" dirty="0">
-                <a:solidFill>
-                  <a:srgbClr val="5597D3"/>
-                </a:solidFill>
-              </a:rPr>
-              <a:t>#5597D3</a:t>
-            </a:r>
-          </a:p>
-        </p:txBody>
-      </p:sp>
-      <p:sp>
-        <p:nvSpPr>
-          <p:cNvPr id="8" name="CuadroTexto 7">
-            <a:extLst>
-              <a:ext uri="{FF2B5EF4-FFF2-40B4-BE49-F238E27FC236}">
-                <a16:creationId xmlns:a16="http://schemas.microsoft.com/office/drawing/2014/main" id="{C3A41CC0-CE4F-556F-691D-A523678690A1}"/>
-              </a:ext>
-            </a:extLst>
-          </p:cNvPr>
-          <p:cNvSpPr txBox="1"/>
-          <p:nvPr/>
-        </p:nvSpPr>
-        <p:spPr>
-          <a:xfrm>
-            <a:off x="1658297" y="973692"/>
-            <a:ext cx="434286" cy="369332"/>
-          </a:xfrm>
-          <a:prstGeom prst="rect">
-            <a:avLst/>
-          </a:prstGeom>
-          <a:noFill/>
-        </p:spPr>
-        <p:txBody>
-          <a:bodyPr wrap="none" rtlCol="0">
-            <a:spAutoFit/>
-          </a:bodyPr>
-          <a:lstStyle/>
-          <a:p>
-            <a:r>
-              <a:rPr lang="es-CO" dirty="0"/>
-              <a:t>FG</a:t>
-            </a:r>
-          </a:p>
-        </p:txBody>
-      </p:sp>
-      <p:sp>
-        <p:nvSpPr>
-          <p:cNvPr id="9" name="CuadroTexto 8">
-            <a:extLst>
-              <a:ext uri="{FF2B5EF4-FFF2-40B4-BE49-F238E27FC236}">
-                <a16:creationId xmlns:a16="http://schemas.microsoft.com/office/drawing/2014/main" id="{66BEFCC0-8C83-5C99-AD63-776CE7037CE0}"/>
-              </a:ext>
-            </a:extLst>
-          </p:cNvPr>
-          <p:cNvSpPr txBox="1"/>
-          <p:nvPr/>
-        </p:nvSpPr>
-        <p:spPr>
-          <a:xfrm>
-            <a:off x="3343274" y="257174"/>
-            <a:ext cx="455574" cy="369332"/>
-          </a:xfrm>
-          <a:prstGeom prst="rect">
-            <a:avLst/>
-          </a:prstGeom>
-          <a:noFill/>
-        </p:spPr>
-        <p:txBody>
-          <a:bodyPr wrap="none" rtlCol="0">
-            <a:spAutoFit/>
-          </a:bodyPr>
-          <a:lstStyle/>
-          <a:p>
-            <a:r>
-              <a:rPr lang="es-CO" dirty="0"/>
-              <a:t>BG</a:t>
-            </a:r>
-          </a:p>
-        </p:txBody>
-      </p:sp>
-      <p:sp>
-        <p:nvSpPr>
-          <p:cNvPr id="10" name="CuadroTexto 9">
-            <a:extLst>
-              <a:ext uri="{FF2B5EF4-FFF2-40B4-BE49-F238E27FC236}">
-                <a16:creationId xmlns:a16="http://schemas.microsoft.com/office/drawing/2014/main" id="{11D64C05-6F72-4F65-6E32-1DA0550CA712}"/>
-              </a:ext>
-            </a:extLst>
-          </p:cNvPr>
-          <p:cNvSpPr txBox="1"/>
-          <p:nvPr/>
-        </p:nvSpPr>
-        <p:spPr>
-          <a:xfrm>
-            <a:off x="1586726" y="278367"/>
-            <a:ext cx="455574" cy="369332"/>
-          </a:xfrm>
-          <a:prstGeom prst="rect">
-            <a:avLst/>
-          </a:prstGeom>
-          <a:noFill/>
-        </p:spPr>
-        <p:txBody>
-          <a:bodyPr wrap="none" rtlCol="0">
-            <a:spAutoFit/>
-          </a:bodyPr>
-          <a:lstStyle/>
-          <a:p>
-            <a:r>
-              <a:rPr lang="es-CO" dirty="0"/>
-              <a:t>BG</a:t>
-            </a:r>
-          </a:p>
-        </p:txBody>
-      </p:sp>
-      <p:pic>
-        <p:nvPicPr>
-          <p:cNvPr id="1026" name="Picture 2" descr="Icono de color de sombra larga de diseño plano de punta de flecha naranja  hacia la">
-            <a:extLst>
-              <a:ext uri="{FF2B5EF4-FFF2-40B4-BE49-F238E27FC236}">
-                <a16:creationId xmlns:a16="http://schemas.microsoft.com/office/drawing/2014/main" id="{3419306B-D77D-15B8-6257-D43FF0D172C5}"/>
-              </a:ext>
-            </a:extLst>
-          </p:cNvPr>
-          <p:cNvPicPr>
-            <a:picLocks noChangeAspect="1" noChangeArrowheads="1"/>
-          </p:cNvPicPr>
-          <p:nvPr/>
-        </p:nvPicPr>
-        <p:blipFill rotWithShape="1">
-          <a:blip r:embed="rId2">
-            <a:duotone>
-              <a:prstClr val="black"/>
-              <a:srgbClr val="5597D3">
-                <a:tint val="45000"/>
-                <a:satMod val="400000"/>
-              </a:srgbClr>
-            </a:duotone>
-            <a:extLst>
-              <a:ext uri="{BEBA8EAE-BF5A-486C-A8C5-ECC9F3942E4B}">
-                <a14:imgProps xmlns:a14="http://schemas.microsoft.com/office/drawing/2010/main">
-                  <a14:imgLayer r:embed="rId3">
-                    <a14:imgEffect>
-                      <a14:backgroundRemoval t="10000" b="90000" l="10000" r="90000"/>
-                    </a14:imgEffect>
-                  </a14:imgLayer>
-                </a14:imgProps>
-              </a:ext>
-              <a:ext uri="{28A0092B-C50C-407E-A947-70E740481C1C}">
-                <a14:useLocalDpi xmlns:a14="http://schemas.microsoft.com/office/drawing/2010/main" val="0"/>
-              </a:ext>
-            </a:extLst>
-          </a:blip>
-          <a:srcRect l="20785" t="13214" r="23500" b="11786"/>
-          <a:stretch/>
-        </p:blipFill>
-        <p:spPr bwMode="auto">
-          <a:xfrm>
-            <a:off x="609600" y="2797968"/>
-            <a:ext cx="371476" cy="631032"/>
-          </a:xfrm>
-          <a:prstGeom prst="rect">
-            <a:avLst/>
-          </a:prstGeom>
-          <a:noFill/>
-          <a:extLst>
-            <a:ext uri="{909E8E84-426E-40DD-AFC4-6F175D3DCCD1}">
-              <a14:hiddenFill xmlns:a14="http://schemas.microsoft.com/office/drawing/2010/main">
-                <a:solidFill>
-                  <a:srgbClr val="FFFFFF"/>
-                </a:solidFill>
-              </a14:hiddenFill>
-            </a:ext>
-          </a:extLst>
         </p:spPr>
       </p:pic>
     </p:spTree>
     <p:extLst>
       <p:ext uri="{BB962C8B-B14F-4D97-AF65-F5344CB8AC3E}">
-        <p14:creationId xmlns:p14="http://schemas.microsoft.com/office/powerpoint/2010/main" val="2067909663"/>
+        <p14:creationId xmlns:p14="http://schemas.microsoft.com/office/powerpoint/2010/main" val="2511642888"/>
       </p:ext>
     </p:extLst>
   </p:cSld>
@@ -7875,7 +7706,13 @@
   <p:cSld>
     <p:spTree>
       <p:nvGrpSpPr>
-        <p:cNvPr id="1" name=""/>
+        <p:cNvPr id="1" name="">
+          <a:extLst>
+            <a:ext uri="{FF2B5EF4-FFF2-40B4-BE49-F238E27FC236}">
+              <a16:creationId xmlns:a16="http://schemas.microsoft.com/office/drawing/2014/main" id="{3372B500-7D7A-0431-2A50-28CF123F68D6}"/>
+            </a:ext>
+          </a:extLst>
+        </p:cNvPr>
         <p:cNvGrpSpPr/>
         <p:nvPr/>
       </p:nvGrpSpPr>
@@ -7889,10 +7726,10 @@
       </p:grpSpPr>
       <p:pic>
         <p:nvPicPr>
-          <p:cNvPr id="9" name="Imagen 8">
-            <a:extLst>
-              <a:ext uri="{FF2B5EF4-FFF2-40B4-BE49-F238E27FC236}">
-                <a16:creationId xmlns:a16="http://schemas.microsoft.com/office/drawing/2014/main" id="{8BFFC124-383E-B1E3-61F3-C7EAE4BE1F22}"/>
+          <p:cNvPr id="3" name="Imagen 2">
+            <a:extLst>
+              <a:ext uri="{FF2B5EF4-FFF2-40B4-BE49-F238E27FC236}">
+                <a16:creationId xmlns:a16="http://schemas.microsoft.com/office/drawing/2014/main" id="{69B40978-F15C-A563-ACEE-B35CC8FF1B8F}"/>
               </a:ext>
             </a:extLst>
           </p:cNvPr>
@@ -7909,13 +7746,14 @@
               </a:ext>
             </a:extLst>
           </a:blip>
-          <a:srcRect l="5504" t="4378" r="5504" b="4378"/>
-          <a:stretch/>
+          <a:stretch>
+            <a:fillRect/>
+          </a:stretch>
         </p:blipFill>
         <p:spPr>
           <a:xfrm>
-            <a:off x="4165104" y="751169"/>
-            <a:ext cx="3467101" cy="4762500"/>
+            <a:off x="235880" y="162728"/>
+            <a:ext cx="3467100" cy="4762500"/>
           </a:xfrm>
           <a:prstGeom prst="rect">
             <a:avLst/>
@@ -7924,10 +7762,10 @@
       </p:pic>
       <p:pic>
         <p:nvPicPr>
-          <p:cNvPr id="7" name="Imagen 6">
-            <a:extLst>
-              <a:ext uri="{FF2B5EF4-FFF2-40B4-BE49-F238E27FC236}">
-                <a16:creationId xmlns:a16="http://schemas.microsoft.com/office/drawing/2014/main" id="{572B9F66-15E2-7AC8-8306-C89BC3ADCA24}"/>
+          <p:cNvPr id="15" name="Imagen 14">
+            <a:extLst>
+              <a:ext uri="{FF2B5EF4-FFF2-40B4-BE49-F238E27FC236}">
+                <a16:creationId xmlns:a16="http://schemas.microsoft.com/office/drawing/2014/main" id="{8C508A18-9078-CF65-FEBF-303600A95FD4}"/>
               </a:ext>
             </a:extLst>
           </p:cNvPr>
@@ -7944,13 +7782,13 @@
               </a:ext>
             </a:extLst>
           </a:blip>
-          <a:srcRect l="7495" t="3735" r="5906" b="5330"/>
+          <a:srcRect l="15941" t="13874" r="16546" b="4664"/>
           <a:stretch/>
         </p:blipFill>
         <p:spPr>
           <a:xfrm>
-            <a:off x="302669" y="636368"/>
-            <a:ext cx="3467101" cy="4762500"/>
+            <a:off x="3551470" y="2072471"/>
+            <a:ext cx="3467102" cy="4762501"/>
           </a:xfrm>
           <a:prstGeom prst="rect">
             <a:avLst/>
@@ -7959,10 +7797,10 @@
       </p:pic>
       <p:pic>
         <p:nvPicPr>
-          <p:cNvPr id="5" name="Imagen 4">
-            <a:extLst>
-              <a:ext uri="{FF2B5EF4-FFF2-40B4-BE49-F238E27FC236}">
-                <a16:creationId xmlns:a16="http://schemas.microsoft.com/office/drawing/2014/main" id="{4E55D2EF-2D5D-9E4A-CB4A-00F30106A482}"/>
+          <p:cNvPr id="13" name="Imagen 12">
+            <a:extLst>
+              <a:ext uri="{FF2B5EF4-FFF2-40B4-BE49-F238E27FC236}">
+                <a16:creationId xmlns:a16="http://schemas.microsoft.com/office/drawing/2014/main" id="{D7249FBC-233C-5478-4DFC-ED11E3D6ADA5}"/>
               </a:ext>
             </a:extLst>
           </p:cNvPr>
@@ -7979,13 +7817,48 @@
               </a:ext>
             </a:extLst>
           </a:blip>
-          <a:srcRect l="17816" t="5650" r="17920" b="6077"/>
+          <a:srcRect l="17276" t="6593" r="17874" b="6602"/>
           <a:stretch/>
         </p:blipFill>
         <p:spPr>
           <a:xfrm>
-            <a:off x="8589515" y="751169"/>
+            <a:off x="5772149" y="-140504"/>
             <a:ext cx="3467101" cy="4762500"/>
+          </a:xfrm>
+          <a:prstGeom prst="rect">
+            <a:avLst/>
+          </a:prstGeom>
+        </p:spPr>
+      </p:pic>
+      <p:pic>
+        <p:nvPicPr>
+          <p:cNvPr id="11" name="Imagen 10">
+            <a:extLst>
+              <a:ext uri="{FF2B5EF4-FFF2-40B4-BE49-F238E27FC236}">
+                <a16:creationId xmlns:a16="http://schemas.microsoft.com/office/drawing/2014/main" id="{AF2CA44B-5EB5-E8AC-1858-C85773989533}"/>
+              </a:ext>
+            </a:extLst>
+          </p:cNvPr>
+          <p:cNvPicPr>
+            <a:picLocks noChangeAspect="1"/>
+          </p:cNvPicPr>
+          <p:nvPr/>
+        </p:nvPicPr>
+        <p:blipFill>
+          <a:blip r:embed="rId5">
+            <a:extLst>
+              <a:ext uri="{28A0092B-C50C-407E-A947-70E740481C1C}">
+                <a14:useLocalDpi xmlns:a14="http://schemas.microsoft.com/office/drawing/2010/main" val="0"/>
+              </a:ext>
+            </a:extLst>
+          </a:blip>
+          <a:srcRect l="19100" t="9350" r="19100" b="9350"/>
+          <a:stretch/>
+        </p:blipFill>
+        <p:spPr>
+          <a:xfrm>
+            <a:off x="8600612" y="2095499"/>
+            <a:ext cx="3467101" cy="4762501"/>
           </a:xfrm>
           <a:prstGeom prst="rect">
             <a:avLst/>
@@ -7995,7 +7868,7 @@
     </p:spTree>
     <p:extLst>
       <p:ext uri="{BB962C8B-B14F-4D97-AF65-F5344CB8AC3E}">
-        <p14:creationId xmlns:p14="http://schemas.microsoft.com/office/powerpoint/2010/main" val="2511642888"/>
+        <p14:creationId xmlns:p14="http://schemas.microsoft.com/office/powerpoint/2010/main" val="3559170658"/>
       </p:ext>
     </p:extLst>
   </p:cSld>
